--- a/trunk/Final Presentation/Team 2 409-509 Final Presentation.pptx
+++ b/trunk/Final Presentation/Team 2 409-509 Final Presentation.pptx
@@ -5,7 +5,7 @@
     <p:sldMasterId id="2147483684" r:id="rId1"/>
   </p:sldMasterIdLst>
   <p:notesMasterIdLst>
-    <p:notesMasterId r:id="rId51"/>
+    <p:notesMasterId r:id="rId52"/>
   </p:notesMasterIdLst>
   <p:sldIdLst>
     <p:sldId id="256" r:id="rId2"/>
@@ -49,17 +49,21 @@
     <p:sldId id="293" r:id="rId40"/>
     <p:sldId id="294" r:id="rId41"/>
     <p:sldId id="295" r:id="rId42"/>
-    <p:sldId id="296" r:id="rId43"/>
-    <p:sldId id="297" r:id="rId44"/>
+    <p:sldId id="297" r:id="rId43"/>
+    <p:sldId id="308" r:id="rId44"/>
     <p:sldId id="298" r:id="rId45"/>
     <p:sldId id="299" r:id="rId46"/>
-    <p:sldId id="300" r:id="rId47"/>
-    <p:sldId id="301" r:id="rId48"/>
-    <p:sldId id="302" r:id="rId49"/>
-    <p:sldId id="303" r:id="rId50"/>
+    <p:sldId id="305" r:id="rId47"/>
+    <p:sldId id="306" r:id="rId48"/>
+    <p:sldId id="307" r:id="rId49"/>
+    <p:sldId id="302" r:id="rId50"/>
+    <p:sldId id="303" r:id="rId51"/>
   </p:sldIdLst>
   <p:sldSz cx="9144000" cy="6858000" type="screen4x3"/>
   <p:notesSz cx="6858000" cy="9144000"/>
+  <p:custDataLst>
+    <p:tags r:id="rId53"/>
+  </p:custDataLst>
   <p:defaultTextStyle>
     <a:defPPr>
       <a:defRPr lang="en-US"/>
@@ -3546,7 +3550,7 @@
           <a:bodyPr/>
           <a:lstStyle/>
           <a:p>
-            <a:fld id="{C62CEC36-F4EB-4640-9715-4108EED3FA04}" type="slidenum">
+            <a:fld id="{FCD53F84-B04A-4A8D-BC7E-95BFA481BC88}" type="slidenum">
               <a:rPr lang="en-US"/>
               <a:pPr/>
               <a:t>42</a:t>
@@ -3557,7 +3561,7 @@
       </p:sp>
       <p:sp>
         <p:nvSpPr>
-          <p:cNvPr id="149506" name="Rectangle 2"/>
+          <p:cNvPr id="99330" name="Rectangle 2"/>
           <p:cNvSpPr>
             <a:spLocks noGrp="1" noRot="1" noChangeAspect="1" noChangeArrowheads="1" noTextEdit="1"/>
           </p:cNvSpPr>
@@ -3571,7 +3575,7 @@
       </p:sp>
       <p:sp>
         <p:nvSpPr>
-          <p:cNvPr id="149507" name="Rectangle 3"/>
+          <p:cNvPr id="99331" name="Rectangle 3"/>
           <p:cNvSpPr>
             <a:spLocks noGrp="1" noChangeArrowheads="1"/>
           </p:cNvSpPr>
@@ -3584,26 +3588,38 @@
           <a:bodyPr/>
           <a:lstStyle/>
           <a:p>
-            <a:pPr>
-              <a:lnSpc>
-                <a:spcPct val="80000"/>
-              </a:lnSpc>
-            </a:pPr>
-            <a:r>
-              <a:rPr lang="en-US" sz="900" b="1"/>
-              <a:t>http://www.embedded.com/story/OEG20010529S0112</a:t>
-            </a:r>
-          </a:p>
-          <a:p>
-            <a:pPr>
-              <a:lnSpc>
-                <a:spcPct val="80000"/>
-              </a:lnSpc>
-            </a:pPr>
-            <a:r>
-              <a:rPr lang="en-US" sz="900"/>
-              <a:t>Verification &amp; validation</a:t>
-            </a:r>
+            <a:r>
+              <a:rPr lang="en-US"/>
+              <a:t>Excerption from Rhapsody User Guide</a:t>
+            </a:r>
+          </a:p>
+          <a:p>
+            <a:endParaRPr lang="en-US" b="1"/>
+          </a:p>
+          <a:p>
+            <a:r>
+              <a:rPr lang="en-US" b="1"/>
+              <a:t>“Activity Diagrams</a:t>
+            </a:r>
+            <a:r>
+              <a:rPr lang="en-US"/>
+              <a:t> show the functional flow between activities.</a:t>
+            </a:r>
+          </a:p>
+          <a:p>
+            <a:r>
+              <a:rPr lang="en-US"/>
+              <a:t>Statecharts (SCs) define the behavior of classifiers (actors, use cases, or classes), objects, and blocks, including the states that they can enter over their lifetime and the messages, events, or functions that cause them to transition from state to state.</a:t>
+            </a:r>
+          </a:p>
+          <a:p>
+            <a:r>
+              <a:rPr lang="en-US"/>
+              <a:t>Statecharts are a key animation tool used to verify the functional flow and modeling. Statecharts can be animated to view the design level of abstraction and graphically show dynamic behavior.”</a:t>
+            </a:r>
+          </a:p>
+          <a:p>
+            <a:endParaRPr lang="en-US"/>
           </a:p>
         </p:txBody>
       </p:sp>
@@ -3649,10 +3665,10 @@
           <a:bodyPr/>
           <a:lstStyle/>
           <a:p>
-            <a:fld id="{FCD53F84-B04A-4A8D-BC7E-95BFA481BC88}" type="slidenum">
+            <a:fld id="{EDEC7ADB-159C-4788-ADF5-6D5516F71276}" type="slidenum">
               <a:rPr lang="en-US"/>
               <a:pPr/>
-              <a:t>43</a:t>
+              <a:t>44</a:t>
             </a:fld>
             <a:endParaRPr lang="en-US"/>
           </a:p>
@@ -3660,7 +3676,7 @@
       </p:sp>
       <p:sp>
         <p:nvSpPr>
-          <p:cNvPr id="99330" name="Rectangle 2"/>
+          <p:cNvPr id="111618" name="Rectangle 2"/>
           <p:cNvSpPr>
             <a:spLocks noGrp="1" noRot="1" noChangeAspect="1" noChangeArrowheads="1" noTextEdit="1"/>
           </p:cNvSpPr>
@@ -3674,7 +3690,7 @@
       </p:sp>
       <p:sp>
         <p:nvSpPr>
-          <p:cNvPr id="99331" name="Rectangle 3"/>
+          <p:cNvPr id="111619" name="Rectangle 3"/>
           <p:cNvSpPr>
             <a:spLocks noGrp="1" noChangeArrowheads="1"/>
           </p:cNvSpPr>
@@ -3693,28 +3709,18 @@
             </a:r>
           </a:p>
           <a:p>
-            <a:endParaRPr lang="en-US" b="1"/>
-          </a:p>
-          <a:p>
-            <a:r>
-              <a:rPr lang="en-US" b="1"/>
-              <a:t>“Activity Diagrams</a:t>
-            </a:r>
+            <a:endParaRPr lang="en-US"/>
+          </a:p>
+          <a:p>
             <a:r>
               <a:rPr lang="en-US"/>
-              <a:t> show the functional flow between activities.</a:t>
+              <a:t>Animation is the execution of behaviors and associated definitions in the model.</a:t>
             </a:r>
           </a:p>
           <a:p>
             <a:r>
               <a:rPr lang="en-US"/>
-              <a:t>Statecharts (SCs) define the behavior of classifiers (actors, use cases, or classes), objects, and blocks, including the states that they can enter over their lifetime and the messages, events, or functions that cause them to transition from state to state.</a:t>
-            </a:r>
-          </a:p>
-          <a:p>
-            <a:r>
-              <a:rPr lang="en-US"/>
-              <a:t>Statecharts are a key animation tool used to verify the functional flow and modeling. Statecharts can be animated to view the design level of abstraction and graphically show dynamic behavior.”</a:t>
+              <a:t>E.g. you can animate pieces of the model as it is developed</a:t>
             </a:r>
           </a:p>
           <a:p>
@@ -3764,10 +3770,10 @@
           <a:bodyPr/>
           <a:lstStyle/>
           <a:p>
-            <a:fld id="{EDEC7ADB-159C-4788-ADF5-6D5516F71276}" type="slidenum">
+            <a:fld id="{A55FCF3B-2F06-4FBC-8F74-72B01B356DBC}" type="slidenum">
               <a:rPr lang="en-US"/>
               <a:pPr/>
-              <a:t>44</a:t>
+              <a:t>45</a:t>
             </a:fld>
             <a:endParaRPr lang="en-US"/>
           </a:p>
@@ -3775,7 +3781,7 @@
       </p:sp>
       <p:sp>
         <p:nvSpPr>
-          <p:cNvPr id="111618" name="Rectangle 2"/>
+          <p:cNvPr id="113666" name="Rectangle 2"/>
           <p:cNvSpPr>
             <a:spLocks noGrp="1" noRot="1" noChangeAspect="1" noChangeArrowheads="1" noTextEdit="1"/>
           </p:cNvSpPr>
@@ -3789,7 +3795,7 @@
       </p:sp>
       <p:sp>
         <p:nvSpPr>
-          <p:cNvPr id="111619" name="Rectangle 3"/>
+          <p:cNvPr id="113667" name="Rectangle 3"/>
           <p:cNvSpPr>
             <a:spLocks noGrp="1" noChangeArrowheads="1"/>
           </p:cNvSpPr>
@@ -3802,28 +3808,7 @@
           <a:bodyPr/>
           <a:lstStyle/>
           <a:p>
-            <a:r>
-              <a:rPr lang="en-US"/>
-              <a:t>Excerption from Rhapsody User Guide</a:t>
-            </a:r>
-          </a:p>
-          <a:p>
-            <a:endParaRPr lang="en-US"/>
-          </a:p>
-          <a:p>
-            <a:r>
-              <a:rPr lang="en-US"/>
-              <a:t>Animation is the execution of behaviors and associated definitions in the model.</a:t>
-            </a:r>
-          </a:p>
-          <a:p>
-            <a:r>
-              <a:rPr lang="en-US"/>
-              <a:t>E.g. you can animate pieces of the model as it is developed</a:t>
-            </a:r>
-          </a:p>
-          <a:p>
-            <a:endParaRPr lang="en-US"/>
+            <a:endParaRPr lang="en-US" dirty="0"/>
           </a:p>
         </p:txBody>
       </p:sp>
@@ -3872,7 +3857,7 @@
             <a:fld id="{A55FCF3B-2F06-4FBC-8F74-72B01B356DBC}" type="slidenum">
               <a:rPr lang="en-US"/>
               <a:pPr/>
-              <a:t>45</a:t>
+              <a:t>46</a:t>
             </a:fld>
             <a:endParaRPr lang="en-US"/>
           </a:p>
@@ -3907,31 +3892,7 @@
           <a:bodyPr/>
           <a:lstStyle/>
           <a:p>
-            <a:r>
-              <a:rPr lang="en-US"/>
-              <a:t>A configuration includes the description of the classes to include in code generation, and settings for building and running the model.</a:t>
-            </a:r>
-          </a:p>
-          <a:p>
-            <a:r>
-              <a:rPr lang="en-US"/>
-              <a:t>Code-&gt;Generate-&gt;Debug to generate the code, make sure no errors, otherwise you have to fix it before going to the next step</a:t>
-            </a:r>
-          </a:p>
-          <a:p>
-            <a:r>
-              <a:rPr lang="en-US"/>
-              <a:t>Code-&gt; Build Handset.exe to build the model</a:t>
-            </a:r>
-          </a:p>
-          <a:p>
-            <a:r>
-              <a:rPr lang="en-US"/>
-              <a:t>Any time you make changes to the model, you need to regenerate and rebuild the model before animating it.</a:t>
-            </a:r>
-          </a:p>
-          <a:p>
-            <a:endParaRPr lang="en-US"/>
+            <a:endParaRPr lang="en-US" dirty="0"/>
           </a:p>
         </p:txBody>
       </p:sp>
@@ -3962,21 +3923,49 @@
       </p:grpSpPr>
       <p:sp>
         <p:nvSpPr>
-          <p:cNvPr id="2" name="Slide Image Placeholder 1"/>
-          <p:cNvSpPr>
-            <a:spLocks noGrp="1" noRot="1" noChangeAspect="1"/>
+          <p:cNvPr id="7" name="Rectangle 7"/>
+          <p:cNvSpPr>
+            <a:spLocks noGrp="1" noChangeArrowheads="1"/>
+          </p:cNvSpPr>
+          <p:nvPr>
+            <p:ph type="sldNum" sz="quarter" idx="5"/>
+          </p:nvPr>
+        </p:nvSpPr>
+        <p:spPr>
+          <a:ln/>
+        </p:spPr>
+        <p:txBody>
+          <a:bodyPr/>
+          <a:lstStyle/>
+          <a:p>
+            <a:fld id="{A55FCF3B-2F06-4FBC-8F74-72B01B356DBC}" type="slidenum">
+              <a:rPr lang="en-US"/>
+              <a:pPr/>
+              <a:t>47</a:t>
+            </a:fld>
+            <a:endParaRPr lang="en-US"/>
+          </a:p>
+        </p:txBody>
+      </p:sp>
+      <p:sp>
+        <p:nvSpPr>
+          <p:cNvPr id="113666" name="Rectangle 2"/>
+          <p:cNvSpPr>
+            <a:spLocks noGrp="1" noRot="1" noChangeAspect="1" noChangeArrowheads="1" noTextEdit="1"/>
           </p:cNvSpPr>
           <p:nvPr>
             <p:ph type="sldImg"/>
           </p:nvPr>
         </p:nvSpPr>
-        <p:spPr/>
-      </p:sp>
-      <p:sp>
-        <p:nvSpPr>
-          <p:cNvPr id="3" name="Notes Placeholder 2"/>
-          <p:cNvSpPr>
-            <a:spLocks noGrp="1"/>
+        <p:spPr>
+          <a:ln/>
+        </p:spPr>
+      </p:sp>
+      <p:sp>
+        <p:nvSpPr>
+          <p:cNvPr id="113667" name="Rectangle 3"/>
+          <p:cNvSpPr>
+            <a:spLocks noGrp="1" noChangeArrowheads="1"/>
           </p:cNvSpPr>
           <p:nvPr>
             <p:ph type="body" idx="1"/>
@@ -3984,35 +3973,33 @@
         </p:nvSpPr>
         <p:spPr/>
         <p:txBody>
-          <a:bodyPr>
-            <a:normAutofit/>
-          </a:bodyPr>
-          <a:lstStyle/>
-          <a:p>
-            <a:endParaRPr lang="en-US"/>
-          </a:p>
-        </p:txBody>
-      </p:sp>
-      <p:sp>
-        <p:nvSpPr>
-          <p:cNvPr id="4" name="Slide Number Placeholder 3"/>
-          <p:cNvSpPr>
-            <a:spLocks noGrp="1"/>
-          </p:cNvSpPr>
-          <p:nvPr>
-            <p:ph type="sldNum" sz="quarter" idx="10"/>
-          </p:nvPr>
-        </p:nvSpPr>
-        <p:spPr/>
-        <p:txBody>
           <a:bodyPr/>
           <a:lstStyle/>
           <a:p>
-            <a:fld id="{93891EF9-FAA1-48E7-855E-CF9D7BAFD85F}" type="slidenum">
-              <a:rPr lang="en-US" smtClean="0"/>
-              <a:pPr/>
-              <a:t>46</a:t>
-            </a:fld>
+            <a:r>
+              <a:rPr lang="en-US"/>
+              <a:t>A configuration includes the description of the classes to include in code generation, and settings for building and running the model.</a:t>
+            </a:r>
+          </a:p>
+          <a:p>
+            <a:r>
+              <a:rPr lang="en-US"/>
+              <a:t>Code-&gt;Generate-&gt;Debug to generate the code, make sure no errors, otherwise you have to fix it before going to the next step</a:t>
+            </a:r>
+          </a:p>
+          <a:p>
+            <a:r>
+              <a:rPr lang="en-US"/>
+              <a:t>Code-&gt; Build Handset.exe to build the model</a:t>
+            </a:r>
+          </a:p>
+          <a:p>
+            <a:r>
+              <a:rPr lang="en-US"/>
+              <a:t>Any time you make changes to the model, you need to regenerate and rebuild the model before animating it.</a:t>
+            </a:r>
+          </a:p>
+          <a:p>
             <a:endParaRPr lang="en-US"/>
           </a:p>
         </p:txBody>
@@ -4059,10 +4046,10 @@
           <a:bodyPr/>
           <a:lstStyle/>
           <a:p>
-            <a:fld id="{B1BD4509-E7BC-4550-9A5D-F62120EB7AB3}" type="slidenum">
+            <a:fld id="{A55FCF3B-2F06-4FBC-8F74-72B01B356DBC}" type="slidenum">
               <a:rPr lang="en-US"/>
               <a:pPr/>
-              <a:t>47</a:t>
+              <a:t>48</a:t>
             </a:fld>
             <a:endParaRPr lang="en-US"/>
           </a:p>
@@ -4070,7 +4057,7 @@
       </p:sp>
       <p:sp>
         <p:nvSpPr>
-          <p:cNvPr id="48130" name="Rectangle 2"/>
+          <p:cNvPr id="113666" name="Rectangle 2"/>
           <p:cNvSpPr>
             <a:spLocks noGrp="1" noRot="1" noChangeAspect="1" noChangeArrowheads="1" noTextEdit="1"/>
           </p:cNvSpPr>
@@ -4084,7 +4071,7 @@
       </p:sp>
       <p:sp>
         <p:nvSpPr>
-          <p:cNvPr id="48131" name="Rectangle 3"/>
+          <p:cNvPr id="113667" name="Rectangle 3"/>
           <p:cNvSpPr>
             <a:spLocks noGrp="1" noChangeArrowheads="1"/>
           </p:cNvSpPr>
@@ -4099,28 +4086,25 @@
           <a:p>
             <a:r>
               <a:rPr lang="en-US"/>
-              <a:t>Excerption from Rhapsody User Guide</a:t>
-            </a:r>
-          </a:p>
-          <a:p>
-            <a:endParaRPr lang="en-US"/>
+              <a:t>A configuration includes the description of the classes to include in code generation, and settings for building and running the model.</a:t>
+            </a:r>
           </a:p>
           <a:p>
             <a:r>
               <a:rPr lang="en-US"/>
-              <a:t>“Features dialog box enables you to view and edit the features of an element in the rhapsody model at any time (you can right click and get it). E.g., you can change its name, add stereotype to it (by selecting from the drag-down list or you type a new name in the stereotype area yourself). You can also use features dialog box to change the direction of the flow.</a:t>
+              <a:t>Code-&gt;Generate-&gt;Debug to generate the code, make sure no errors, otherwise you have to fix it before going to the next step</a:t>
             </a:r>
           </a:p>
           <a:p>
             <a:r>
               <a:rPr lang="en-US"/>
-              <a:t>Sometimes when you delete an link in the graph that association may still exist in the browser view, you man need to manual delete it from the manual view as well. E.g. when delete the association between supplementary use case with network actor, the association still exists in the network actor’s list</a:t>
+              <a:t>Code-&gt; Build Handset.exe to build the model</a:t>
             </a:r>
           </a:p>
           <a:p>
             <a:r>
               <a:rPr lang="en-US"/>
-              <a:t>Plus, every element in the graph (messages, events, use cases, states, etc.) has its mapping to an element in the browser.”</a:t>
+              <a:t>Any time you make changes to the model, you need to regenerate and rebuild the model before animating it.</a:t>
             </a:r>
           </a:p>
           <a:p>
@@ -4173,7 +4157,7 @@
             <a:fld id="{CC849E63-570B-42B6-885E-18A890CFEC21}" type="slidenum">
               <a:rPr lang="en-US"/>
               <a:pPr/>
-              <a:t>48</a:t>
+              <a:t>49</a:t>
             </a:fld>
             <a:endParaRPr lang="en-US"/>
           </a:p>
@@ -4288,7 +4272,7 @@
             <a:fld id="{93891EF9-FAA1-48E7-855E-CF9D7BAFD85F}" type="slidenum">
               <a:rPr lang="en-US" smtClean="0"/>
               <a:pPr/>
-              <a:t>49</a:t>
+              <a:t>50</a:t>
             </a:fld>
             <a:endParaRPr lang="en-US"/>
           </a:p>
@@ -9051,7 +9035,6 @@
               <a:rPr lang="en-US" dirty="0" smtClean="0"/>
               <a:t>Contain:</a:t>
             </a:r>
-            <a:endParaRPr lang="en-US" dirty="0" smtClean="0"/>
           </a:p>
           <a:p>
             <a:pPr lvl="1"/>
@@ -9886,11 +9869,7 @@
             </a:r>
             <a:r>
               <a:rPr lang="en-US" dirty="0" smtClean="0"/>
-              <a:t>provide</a:t>
-            </a:r>
-            <a:r>
-              <a:rPr lang="en-US" dirty="0" smtClean="0"/>
-              <a:t>  </a:t>
+              <a:t>provide  </a:t>
             </a:r>
             <a:r>
               <a:rPr lang="en-US" dirty="0"/>
@@ -9900,7 +9879,6 @@
               <a:rPr lang="en-US" dirty="0" smtClean="0"/>
               <a:t>services.</a:t>
             </a:r>
-            <a:endParaRPr lang="en-US" dirty="0" smtClean="0"/>
           </a:p>
           <a:p>
             <a:pPr lvl="1"/>
@@ -10857,15 +10835,7 @@
             <a:pPr lvl="1"/>
             <a:r>
               <a:rPr lang="en-US" dirty="0" smtClean="0"/>
-              <a:t>The Calendaring System uses </a:t>
-            </a:r>
-            <a:r>
-              <a:rPr lang="en-US" dirty="0" smtClean="0"/>
-              <a:t>iCal </a:t>
-            </a:r>
-            <a:r>
-              <a:rPr lang="en-US" dirty="0" smtClean="0"/>
-              <a:t>file format (</a:t>
+              <a:t>The Calendaring System uses iCal file format (</a:t>
             </a:r>
             <a:r>
               <a:rPr lang="en-US" dirty="0"/>
@@ -11726,15 +11696,7 @@
           <a:p>
             <a:r>
               <a:rPr lang="en-US" dirty="0" smtClean="0"/>
-              <a:t>C</a:t>
-            </a:r>
-            <a:r>
-              <a:rPr lang="en-US" dirty="0" smtClean="0"/>
-              <a:t>ontains </a:t>
-            </a:r>
-            <a:r>
-              <a:rPr lang="en-US" dirty="0" smtClean="0"/>
-              <a:t>three main properties:</a:t>
+              <a:t>Contains three main properties:</a:t>
             </a:r>
           </a:p>
           <a:p>
@@ -12058,15 +12020,7 @@
             </a:r>
             <a:r>
               <a:rPr lang="en-US" dirty="0" smtClean="0"/>
-              <a:t>to replace </a:t>
-            </a:r>
-            <a:r>
-              <a:rPr lang="en-US" dirty="0" smtClean="0"/>
-              <a:t>erroneous </a:t>
-            </a:r>
-            <a:r>
-              <a:rPr lang="en-US" dirty="0" smtClean="0"/>
-              <a:t>parts while </a:t>
+              <a:t>to replace erroneous parts while </a:t>
             </a:r>
             <a:r>
               <a:rPr lang="en-US" dirty="0"/>
@@ -12186,11 +12140,7 @@
             </a:r>
             <a:r>
               <a:rPr lang="en-US" dirty="0" smtClean="0"/>
-              <a:t>be limited in range to 100k lines</a:t>
-            </a:r>
-            <a:r>
-              <a:rPr lang="en-US" dirty="0" smtClean="0"/>
-              <a:t>.</a:t>
+              <a:t>be limited in range to 100k lines.</a:t>
             </a:r>
             <a:endParaRPr lang="en-US" dirty="0"/>
           </a:p>
@@ -12273,65 +12223,20 @@
           <a:p>
             <a:r>
               <a:rPr lang="en-US" dirty="0" smtClean="0"/>
-              <a:t> Functionality constraint: </a:t>
-            </a:r>
+              <a:t> Functionality constraint: The two sub-systems shall provide ONLY the functions required in the requirement documents</a:t>
+            </a:r>
+          </a:p>
+          <a:p>
+            <a:endParaRPr lang="en-US" dirty="0" smtClean="0"/>
+          </a:p>
+          <a:p>
             <a:r>
               <a:rPr lang="en-US" dirty="0" smtClean="0"/>
-              <a:t>T</a:t>
-            </a:r>
-            <a:r>
-              <a:rPr lang="en-US" dirty="0" smtClean="0"/>
-              <a:t>he two sub-systems </a:t>
-            </a:r>
-            <a:r>
-              <a:rPr lang="en-US" dirty="0" smtClean="0"/>
-              <a:t>shall provide </a:t>
-            </a:r>
-            <a:r>
-              <a:rPr lang="en-US" dirty="0" smtClean="0"/>
-              <a:t>ONLY the </a:t>
-            </a:r>
-            <a:r>
-              <a:rPr lang="en-US" dirty="0" smtClean="0"/>
-              <a:t>functions required in the </a:t>
-            </a:r>
-            <a:r>
-              <a:rPr lang="en-US" dirty="0" smtClean="0"/>
-              <a:t>requirement documents</a:t>
-            </a:r>
-            <a:endParaRPr lang="en-US" dirty="0" smtClean="0"/>
-          </a:p>
-          <a:p>
-            <a:endParaRPr lang="en-US" dirty="0" smtClean="0"/>
-          </a:p>
-          <a:p>
-            <a:r>
-              <a:rPr lang="en-US" dirty="0" smtClean="0"/>
-              <a:t> Environment constraint: </a:t>
-            </a:r>
-            <a:r>
-              <a:rPr lang="en-US" dirty="0" smtClean="0"/>
-              <a:t>T</a:t>
-            </a:r>
-            <a:r>
-              <a:rPr lang="en-US" dirty="0" smtClean="0"/>
-              <a:t>he sub-systems </a:t>
-            </a:r>
-            <a:r>
-              <a:rPr lang="en-US" dirty="0" smtClean="0"/>
-              <a:t>shall be developed </a:t>
-            </a:r>
-            <a:r>
-              <a:rPr lang="en-US" dirty="0" smtClean="0"/>
-              <a:t>using the </a:t>
+              <a:t> Environment constraint: The sub-systems shall be developed using the </a:t>
             </a:r>
             <a:r>
               <a:rPr lang="en-US" smtClean="0"/>
-              <a:t>Java VM</a:t>
-            </a:r>
-            <a:r>
-              <a:rPr lang="en-US" smtClean="0"/>
-              <a:t>.</a:t>
+              <a:t>Java VM.</a:t>
             </a:r>
             <a:endParaRPr lang="en-US" dirty="0" smtClean="0"/>
           </a:p>
@@ -12497,15 +12402,7 @@
           <a:p>
             <a:r>
               <a:rPr lang="en-US" dirty="0" smtClean="0"/>
-              <a:t>The Targeted user </a:t>
-            </a:r>
-            <a:r>
-              <a:rPr lang="en-US" dirty="0" smtClean="0"/>
-              <a:t>demographic: </a:t>
-            </a:r>
-            <a:r>
-              <a:rPr lang="en-US" dirty="0" smtClean="0"/>
-              <a:t>elderly and disabled persons</a:t>
+              <a:t>The Targeted user demographic: elderly and disabled persons</a:t>
             </a:r>
           </a:p>
           <a:p>
@@ -14070,11 +13967,11 @@
           <a:p>
             <a:pPr eaLnBrk="1" hangingPunct="1"/>
             <a:r>
-              <a:rPr lang="en-US" smtClean="0"/>
+              <a:rPr lang="en-US" dirty="0" smtClean="0"/>
               <a:t>What is </a:t>
             </a:r>
             <a:r>
-              <a:rPr lang="en-US" smtClean="0">
+              <a:rPr lang="en-US" dirty="0" smtClean="0">
                 <a:solidFill>
                   <a:srgbClr val="FF3399"/>
                 </a:solidFill>
@@ -14082,7 +13979,7 @@
               <a:t>BDI[2]</a:t>
             </a:r>
             <a:r>
-              <a:rPr lang="en-US" smtClean="0"/>
+              <a:rPr lang="en-US" dirty="0" smtClean="0"/>
               <a:t>?</a:t>
             </a:r>
           </a:p>
@@ -17055,11 +16952,7 @@
             </a:pPr>
             <a:r>
               <a:rPr lang="en-US" sz="1600" dirty="0" smtClean="0"/>
-              <a:t>+</a:t>
-            </a:r>
-            <a:r>
-              <a:rPr lang="en-US" sz="1600" dirty="0" smtClean="0"/>
-              <a:t>time(T) : </a:t>
+              <a:t>+time(T) : </a:t>
             </a:r>
             <a:r>
               <a:rPr lang="en-US" sz="1600" dirty="0" err="1" smtClean="0"/>
@@ -18117,7 +18010,7 @@
       </p:grpSpPr>
       <p:sp>
         <p:nvSpPr>
-          <p:cNvPr id="148482" name="Rectangle 2"/>
+          <p:cNvPr id="77826" name="Rectangle 2"/>
           <p:cNvSpPr>
             <a:spLocks noGrp="1" noChangeArrowheads="1"/>
           </p:cNvSpPr>
@@ -18131,15 +18024,16 @@
           <a:lstStyle/>
           <a:p>
             <a:r>
-              <a:rPr lang="en-US"/>
-              <a:t>Design with Rhapsody</a:t>
-            </a:r>
-          </a:p>
-        </p:txBody>
-      </p:sp>
-      <p:sp>
-        <p:nvSpPr>
-          <p:cNvPr id="148483" name="Rectangle 3"/>
+              <a:rPr lang="en-US" dirty="0" smtClean="0"/>
+              <a:t>Model Driven Development</a:t>
+            </a:r>
+            <a:endParaRPr lang="en-US" dirty="0"/>
+          </a:p>
+        </p:txBody>
+      </p:sp>
+      <p:sp>
+        <p:nvSpPr>
+          <p:cNvPr id="77827" name="Rectangle 3"/>
           <p:cNvSpPr>
             <a:spLocks noGrp="1" noChangeArrowheads="1"/>
           </p:cNvSpPr>
@@ -18149,72 +18043,86 @@
         </p:nvSpPr>
         <p:spPr/>
         <p:txBody>
+          <a:bodyPr>
+            <a:normAutofit fontScale="92500" lnSpcReduction="10000"/>
+          </a:bodyPr>
+          <a:lstStyle/>
+          <a:p>
+            <a:r>
+              <a:rPr lang="en-US" dirty="0" smtClean="0"/>
+              <a:t>It starts out with making a requirements document and a series of models using UML, </a:t>
+            </a:r>
+            <a:r>
+              <a:rPr lang="en-US" dirty="0" err="1" smtClean="0"/>
+              <a:t>SysML</a:t>
+            </a:r>
+            <a:r>
+              <a:rPr lang="en-US" dirty="0" smtClean="0"/>
+              <a:t> or a similar modeling language. </a:t>
+            </a:r>
+            <a:endParaRPr lang="en-US" dirty="0" smtClean="0"/>
+          </a:p>
+          <a:p>
+            <a:r>
+              <a:rPr lang="en-US" dirty="0" smtClean="0"/>
+              <a:t>These models and requirements are then used directly for the generation of code.  </a:t>
+            </a:r>
+          </a:p>
+          <a:p>
+            <a:r>
+              <a:rPr lang="en-US" dirty="0" smtClean="0"/>
+              <a:t>MDD tools </a:t>
+            </a:r>
+            <a:r>
+              <a:rPr lang="en-US" dirty="0" smtClean="0"/>
+              <a:t>use </a:t>
+            </a:r>
+            <a:r>
+              <a:rPr lang="en-US" dirty="0" smtClean="0"/>
+              <a:t>models as the primary means of development.  </a:t>
+            </a:r>
+          </a:p>
+          <a:p>
+            <a:r>
+              <a:rPr lang="en-US" dirty="0" smtClean="0"/>
+              <a:t>One of the extremely useful tools it has is its </a:t>
+            </a:r>
+            <a:r>
+              <a:rPr lang="en-US" b="1" dirty="0" smtClean="0"/>
+              <a:t>animator</a:t>
+            </a:r>
+            <a:r>
+              <a:rPr lang="en-US" dirty="0" smtClean="0"/>
+              <a:t>.  It allows you to view an </a:t>
+            </a:r>
+            <a:r>
+              <a:rPr lang="en-US" b="1" dirty="0" smtClean="0"/>
+              <a:t>animated version of many diagrams </a:t>
+            </a:r>
+            <a:r>
+              <a:rPr lang="en-US" dirty="0" smtClean="0"/>
+              <a:t>in real time as the program is running.</a:t>
+            </a:r>
+            <a:endParaRPr lang="en-US" dirty="0"/>
+          </a:p>
+        </p:txBody>
+      </p:sp>
+      <p:sp>
+        <p:nvSpPr>
+          <p:cNvPr id="5" name="Slide Number Placeholder 4"/>
+          <p:cNvSpPr>
+            <a:spLocks noGrp="1"/>
+          </p:cNvSpPr>
+          <p:nvPr>
+            <p:ph type="sldNum" sz="quarter" idx="12"/>
+          </p:nvPr>
+        </p:nvSpPr>
+        <p:spPr/>
+        <p:txBody>
           <a:bodyPr/>
           <a:lstStyle/>
           <a:p>
-            <a:r>
-              <a:rPr lang="en-US" dirty="0"/>
-              <a:t>Analyze the Requirements</a:t>
-            </a:r>
-          </a:p>
-          <a:p>
-            <a:pPr>
-              <a:buFont typeface="Wingdings" pitchFamily="2" charset="2"/>
-              <a:buNone/>
-            </a:pPr>
-            <a:r>
-              <a:rPr lang="en-US" b="1" dirty="0"/>
-              <a:t>	</a:t>
-            </a:r>
-            <a:r>
-              <a:rPr lang="en-US" sz="2400" dirty="0"/>
-              <a:t>e.g.,</a:t>
-            </a:r>
-            <a:r>
-              <a:rPr lang="en-US" sz="2400" b="1" dirty="0"/>
-              <a:t> Use case diagrams</a:t>
-            </a:r>
-            <a:r>
-              <a:rPr lang="en-US" sz="2400" dirty="0"/>
-              <a:t> illustrate the system functions and the ways in which elements external to the system interface with the system.</a:t>
-            </a:r>
-          </a:p>
-          <a:p>
-            <a:r>
-              <a:rPr lang="en-US" dirty="0"/>
-              <a:t>Design the Architecture</a:t>
-            </a:r>
-          </a:p>
-          <a:p>
-            <a:r>
-              <a:rPr lang="en-US" dirty="0"/>
-              <a:t>Specify the Behavior</a:t>
-            </a:r>
-          </a:p>
-          <a:p>
-            <a:r>
-              <a:rPr lang="en-US" dirty="0"/>
-              <a:t>Verification &amp; Validation</a:t>
-            </a:r>
-          </a:p>
-        </p:txBody>
-      </p:sp>
-      <p:sp>
-        <p:nvSpPr>
-          <p:cNvPr id="5" name="Slide Number Placeholder 4"/>
-          <p:cNvSpPr>
-            <a:spLocks noGrp="1"/>
-          </p:cNvSpPr>
-          <p:nvPr>
-            <p:ph type="sldNum" sz="quarter" idx="12"/>
-          </p:nvPr>
-        </p:nvSpPr>
-        <p:spPr/>
-        <p:txBody>
-          <a:bodyPr/>
-          <a:lstStyle/>
-          <a:p>
-            <a:fld id="{E414600B-E7F9-4DEF-883D-2C127A4D6C4E}" type="slidenum">
+            <a:fld id="{3FDB028B-2665-4A98-8D74-5DA1EEC4D175}" type="slidenum">
               <a:rPr lang="en-US"/>
               <a:pPr/>
               <a:t>42</a:t>
@@ -18228,7 +18136,6 @@
   <p:clrMapOvr>
     <a:masterClrMapping/>
   </p:clrMapOvr>
-  <p:transition/>
   <p:timing>
     <p:tnLst>
       <p:par>
@@ -18258,9 +18165,9 @@
       </p:grpSpPr>
       <p:sp>
         <p:nvSpPr>
-          <p:cNvPr id="77826" name="Rectangle 2"/>
-          <p:cNvSpPr>
-            <a:spLocks noGrp="1" noChangeArrowheads="1"/>
+          <p:cNvPr id="2" name="Title 1"/>
+          <p:cNvSpPr>
+            <a:spLocks noGrp="1"/>
           </p:cNvSpPr>
           <p:nvPr>
             <p:ph type="title"/>
@@ -18268,105 +18175,84 @@
         </p:nvSpPr>
         <p:spPr/>
         <p:txBody>
+          <a:bodyPr>
+            <a:normAutofit/>
+          </a:bodyPr>
+          <a:lstStyle/>
+          <a:p>
+            <a:r>
+              <a:rPr lang="en-US" b="1" dirty="0" smtClean="0"/>
+              <a:t>Model </a:t>
+            </a:r>
+            <a:r>
+              <a:rPr lang="en-US" b="1" dirty="0" smtClean="0"/>
+              <a:t>Based </a:t>
+            </a:r>
+            <a:r>
+              <a:rPr lang="en-US" b="1" dirty="0" smtClean="0"/>
+              <a:t>Testing</a:t>
+            </a:r>
+            <a:endParaRPr lang="en-US" dirty="0"/>
+          </a:p>
+        </p:txBody>
+      </p:sp>
+      <p:sp>
+        <p:nvSpPr>
+          <p:cNvPr id="3" name="Content Placeholder 2"/>
+          <p:cNvSpPr>
+            <a:spLocks noGrp="1"/>
+          </p:cNvSpPr>
+          <p:nvPr>
+            <p:ph idx="1"/>
+          </p:nvPr>
+        </p:nvSpPr>
+        <p:spPr/>
+        <p:txBody>
           <a:bodyPr/>
           <a:lstStyle/>
           <a:p>
-            <a:r>
-              <a:rPr lang="en-US"/>
-              <a:t>Behavior Specification</a:t>
-            </a:r>
-          </a:p>
-        </p:txBody>
-      </p:sp>
-      <p:sp>
-        <p:nvSpPr>
-          <p:cNvPr id="77827" name="Rectangle 3"/>
-          <p:cNvSpPr>
-            <a:spLocks noGrp="1" noChangeArrowheads="1"/>
-          </p:cNvSpPr>
-          <p:nvPr>
-            <p:ph idx="1"/>
-          </p:nvPr>
-        </p:nvSpPr>
-        <p:spPr/>
-        <p:txBody>
-          <a:bodyPr/>
-          <a:lstStyle/>
-          <a:p>
-            <a:r>
-              <a:rPr lang="en-US" b="1"/>
-              <a:t>Activity Diagrams</a:t>
-            </a:r>
-            <a:r>
-              <a:rPr lang="en-US"/>
-              <a:t> show the flow of control from activity to activity.</a:t>
-            </a:r>
-          </a:p>
-          <a:p>
-            <a:pPr>
-              <a:buFont typeface="Wingdings" pitchFamily="2" charset="2"/>
-              <a:buNone/>
-            </a:pPr>
-            <a:r>
-              <a:rPr lang="en-US"/>
-              <a:t>	</a:t>
-            </a:r>
-            <a:r>
-              <a:rPr lang="en-US" sz="2400"/>
-              <a:t>E.g., details of a computation</a:t>
-            </a:r>
-          </a:p>
-          <a:p>
-            <a:endParaRPr lang="en-US" sz="2400"/>
-          </a:p>
-          <a:p>
-            <a:r>
-              <a:rPr lang="en-US" b="1"/>
-              <a:t>State Machine Diagrams</a:t>
-            </a:r>
-            <a:r>
-              <a:rPr lang="en-US"/>
-              <a:t> define state-based behavior.</a:t>
-            </a:r>
-          </a:p>
-        </p:txBody>
-      </p:sp>
-      <p:sp>
-        <p:nvSpPr>
-          <p:cNvPr id="5" name="Slide Number Placeholder 4"/>
-          <p:cNvSpPr>
-            <a:spLocks noGrp="1"/>
-          </p:cNvSpPr>
-          <p:nvPr>
-            <p:ph type="sldNum" sz="quarter" idx="12"/>
-          </p:nvPr>
-        </p:nvSpPr>
-        <p:spPr/>
-        <p:txBody>
-          <a:bodyPr/>
-          <a:lstStyle/>
-          <a:p>
-            <a:fld id="{3FDB028B-2665-4A98-8D74-5DA1EEC4D175}" type="slidenum">
-              <a:rPr lang="en-US"/>
-              <a:pPr/>
-              <a:t>43</a:t>
-            </a:fld>
             <a:endParaRPr lang="en-US"/>
           </a:p>
         </p:txBody>
       </p:sp>
+      <p:pic>
+        <p:nvPicPr>
+          <p:cNvPr id="4098" name="Picture 2"/>
+          <p:cNvPicPr>
+            <a:picLocks noChangeAspect="1" noChangeArrowheads="1"/>
+          </p:cNvPicPr>
+          <p:nvPr/>
+        </p:nvPicPr>
+        <p:blipFill>
+          <a:blip r:embed="rId2"/>
+          <a:srcRect/>
+          <a:stretch>
+            <a:fillRect/>
+          </a:stretch>
+        </p:blipFill>
+        <p:spPr bwMode="auto">
+          <a:xfrm>
+            <a:off x="457200" y="2057400"/>
+            <a:ext cx="8401050" cy="4552950"/>
+          </a:xfrm>
+          <a:prstGeom prst="rect">
+            <a:avLst/>
+          </a:prstGeom>
+          <a:noFill/>
+          <a:ln w="9525">
+            <a:noFill/>
+            <a:miter lim="800000"/>
+            <a:headEnd/>
+            <a:tailEnd/>
+          </a:ln>
+          <a:effectLst/>
+        </p:spPr>
+      </p:pic>
     </p:spTree>
   </p:cSld>
   <p:clrMapOvr>
     <a:masterClrMapping/>
   </p:clrMapOvr>
-  <p:timing>
-    <p:tnLst>
-      <p:par>
-        <p:cTn id="1" dur="indefinite" restart="never" nodeType="tmRoot"/>
-      </p:par>
-    </p:tnLst>
-  </p:timing>
 </p:sld>
 </file>
 
@@ -18561,13 +18447,20 @@
         </p:nvSpPr>
         <p:spPr/>
         <p:txBody>
-          <a:bodyPr/>
-          <a:lstStyle/>
-          <a:p>
-            <a:r>
-              <a:rPr lang="en-US"/>
-              <a:t>Tips for Animation</a:t>
-            </a:r>
+          <a:bodyPr>
+            <a:normAutofit fontScale="90000"/>
+          </a:bodyPr>
+          <a:lstStyle/>
+          <a:p>
+            <a:r>
+              <a:rPr lang="en-US" b="1" dirty="0" smtClean="0"/>
+              <a:t>UML </a:t>
+            </a:r>
+            <a:r>
+              <a:rPr lang="en-US" b="1" dirty="0" smtClean="0"/>
+              <a:t>by Example: Home Alarm System</a:t>
+            </a:r>
+            <a:endParaRPr lang="en-US" dirty="0"/>
           </a:p>
         </p:txBody>
       </p:sp>
@@ -18583,78 +18476,84 @@
         </p:nvSpPr>
         <p:spPr/>
         <p:txBody>
-          <a:bodyPr/>
-          <a:lstStyle/>
-          <a:p>
-            <a:pPr>
-              <a:lnSpc>
-                <a:spcPct val="90000"/>
-              </a:lnSpc>
-            </a:pPr>
-            <a:r>
-              <a:rPr lang="en-US" sz="2800"/>
-              <a:t>Create Object Diagrams in order to have animated instances</a:t>
-            </a:r>
-          </a:p>
-          <a:p>
-            <a:pPr>
-              <a:lnSpc>
-                <a:spcPct val="90000"/>
-              </a:lnSpc>
-            </a:pPr>
-            <a:r>
-              <a:rPr lang="en-US" sz="2800"/>
-              <a:t>Set parameters &amp; inject events at run time</a:t>
-            </a:r>
-          </a:p>
-          <a:p>
-            <a:pPr>
-              <a:lnSpc>
-                <a:spcPct val="90000"/>
-              </a:lnSpc>
-            </a:pPr>
-            <a:r>
-              <a:rPr lang="en-US" sz="2800"/>
-              <a:t>Create Customized Sequence Diagrams to record the animation </a:t>
-            </a:r>
-          </a:p>
-          <a:p>
-            <a:pPr>
-              <a:lnSpc>
-                <a:spcPct val="90000"/>
-              </a:lnSpc>
-            </a:pPr>
-            <a:r>
-              <a:rPr lang="en-US" sz="2800"/>
-              <a:t>Create a configuration and set it as </a:t>
-            </a:r>
-            <a:r>
-              <a:rPr lang="en-US" sz="2800" i="1"/>
-              <a:t>active</a:t>
-            </a:r>
-            <a:endParaRPr lang="en-US" sz="2800"/>
-          </a:p>
-          <a:p>
-            <a:pPr>
-              <a:lnSpc>
-                <a:spcPct val="90000"/>
-              </a:lnSpc>
-            </a:pPr>
-            <a:r>
-              <a:rPr lang="en-US" sz="2800"/>
-              <a:t>Generate code -&gt; Build the model -&gt; Run</a:t>
-            </a:r>
-          </a:p>
-          <a:p>
-            <a:pPr>
-              <a:lnSpc>
-                <a:spcPct val="90000"/>
-              </a:lnSpc>
-            </a:pPr>
-            <a:r>
-              <a:rPr lang="en-US" sz="2800"/>
-              <a:t>Firewall may block the animation </a:t>
-            </a:r>
+          <a:bodyPr>
+            <a:normAutofit fontScale="85000" lnSpcReduction="20000"/>
+          </a:bodyPr>
+          <a:lstStyle/>
+          <a:p>
+            <a:endParaRPr lang="en-US" dirty="0" smtClean="0"/>
+          </a:p>
+          <a:p>
+            <a:r>
+              <a:rPr lang="en-US" dirty="0" smtClean="0"/>
+              <a:t>Door </a:t>
+            </a:r>
+            <a:r>
+              <a:rPr lang="en-US" dirty="0" smtClean="0"/>
+              <a:t>and movement sensors</a:t>
+            </a:r>
+          </a:p>
+          <a:p>
+            <a:endParaRPr lang="en-US" dirty="0" smtClean="0"/>
+          </a:p>
+          <a:p>
+            <a:r>
+              <a:rPr lang="en-US" dirty="0" smtClean="0"/>
+              <a:t>Arm/Disarm </a:t>
+            </a:r>
+            <a:r>
+              <a:rPr lang="en-US" dirty="0" smtClean="0"/>
+              <a:t>based on 4 digit code</a:t>
+            </a:r>
+          </a:p>
+          <a:p>
+            <a:endParaRPr lang="en-US" dirty="0" smtClean="0"/>
+          </a:p>
+          <a:p>
+            <a:r>
+              <a:rPr lang="en-US" dirty="0" smtClean="0"/>
+              <a:t>Code </a:t>
+            </a:r>
+            <a:r>
+              <a:rPr lang="en-US" dirty="0" smtClean="0"/>
+              <a:t>may be modified</a:t>
+            </a:r>
+          </a:p>
+          <a:p>
+            <a:endParaRPr lang="en-US" dirty="0" smtClean="0"/>
+          </a:p>
+          <a:p>
+            <a:r>
+              <a:rPr lang="en-US" dirty="0" smtClean="0"/>
+              <a:t>Timeout </a:t>
+            </a:r>
+            <a:r>
+              <a:rPr lang="en-US" dirty="0" smtClean="0"/>
+              <a:t>to allow entering/exiting house</a:t>
+            </a:r>
+          </a:p>
+          <a:p>
+            <a:endParaRPr lang="en-US" dirty="0" smtClean="0"/>
+          </a:p>
+          <a:p>
+            <a:r>
+              <a:rPr lang="en-US" dirty="0" smtClean="0"/>
+              <a:t>Indication </a:t>
+            </a:r>
+            <a:r>
+              <a:rPr lang="en-US" dirty="0" smtClean="0"/>
+              <a:t>lights</a:t>
+            </a:r>
+          </a:p>
+          <a:p>
+            <a:endParaRPr lang="en-US" dirty="0" smtClean="0"/>
+          </a:p>
+          <a:p>
+            <a:r>
+              <a:rPr lang="en-US" dirty="0" smtClean="0"/>
+              <a:t>Siren</a:t>
+            </a:r>
+            <a:endParaRPr lang="en-US" dirty="0" smtClean="0"/>
           </a:p>
           <a:p>
             <a:pPr>
@@ -18664,7 +18563,7 @@
               <a:buFont typeface="Wingdings" pitchFamily="2" charset="2"/>
               <a:buNone/>
             </a:pPr>
-            <a:endParaRPr lang="en-US" sz="2800"/>
+            <a:endParaRPr lang="en-US" sz="2800" dirty="0"/>
           </a:p>
         </p:txBody>
       </p:sp>
@@ -18726,7 +18625,7 @@
       </p:grpSpPr>
       <p:sp>
         <p:nvSpPr>
-          <p:cNvPr id="75778" name="Rectangle 2"/>
+          <p:cNvPr id="112642" name="Rectangle 2"/>
           <p:cNvSpPr>
             <a:spLocks noGrp="1" noChangeArrowheads="1"/>
           </p:cNvSpPr>
@@ -18736,67 +18635,47 @@
         </p:nvSpPr>
         <p:spPr/>
         <p:txBody>
+          <a:bodyPr>
+            <a:normAutofit fontScale="90000"/>
+          </a:bodyPr>
+          <a:lstStyle/>
+          <a:p>
+            <a:r>
+              <a:rPr lang="en-US" b="1" dirty="0" smtClean="0"/>
+              <a:t>Outlining </a:t>
+            </a:r>
+            <a:r>
+              <a:rPr lang="en-US" b="1" dirty="0" smtClean="0"/>
+              <a:t>the requirements: </a:t>
+            </a:r>
+            <a:r>
+              <a:rPr lang="en-US" b="1" dirty="0" err="1" smtClean="0"/>
+              <a:t>HomeAlarm</a:t>
+            </a:r>
+            <a:r>
+              <a:rPr lang="en-US" b="1" dirty="0" smtClean="0"/>
+              <a:t> Use Cases</a:t>
+            </a:r>
+            <a:endParaRPr lang="en-US" dirty="0"/>
+          </a:p>
+        </p:txBody>
+      </p:sp>
+      <p:sp>
+        <p:nvSpPr>
+          <p:cNvPr id="5" name="Slide Number Placeholder 4"/>
+          <p:cNvSpPr>
+            <a:spLocks noGrp="1"/>
+          </p:cNvSpPr>
+          <p:nvPr>
+            <p:ph type="sldNum" sz="quarter" idx="12"/>
+          </p:nvPr>
+        </p:nvSpPr>
+        <p:spPr/>
+        <p:txBody>
           <a:bodyPr/>
           <a:lstStyle/>
           <a:p>
-            <a:r>
-              <a:rPr lang="en-US"/>
-              <a:t>Recap</a:t>
-            </a:r>
-          </a:p>
-        </p:txBody>
-      </p:sp>
-      <p:sp>
-        <p:nvSpPr>
-          <p:cNvPr id="75779" name="Rectangle 3"/>
-          <p:cNvSpPr>
-            <a:spLocks noGrp="1" noChangeArrowheads="1"/>
-          </p:cNvSpPr>
-          <p:nvPr>
-            <p:ph idx="1"/>
-          </p:nvPr>
-        </p:nvSpPr>
-        <p:spPr/>
-        <p:txBody>
-          <a:bodyPr/>
-          <a:lstStyle/>
-          <a:p>
-            <a:r>
-              <a:rPr lang="en-US"/>
-              <a:t>Diagrams needed for creating executable model: Object Model Diagrams, State Machine Diagram or Activity Diagram</a:t>
-            </a:r>
-          </a:p>
-          <a:p>
-            <a:r>
-              <a:rPr lang="en-US"/>
-              <a:t>Useful assistance: Use Case Diagrams, Structure Diagrams, Sequence Diagrams</a:t>
-            </a:r>
-          </a:p>
-          <a:p>
-            <a:pPr>
-              <a:buFont typeface="Wingdings" pitchFamily="2" charset="2"/>
-              <a:buNone/>
-            </a:pPr>
-            <a:endParaRPr lang="en-US"/>
-          </a:p>
-        </p:txBody>
-      </p:sp>
-      <p:sp>
-        <p:nvSpPr>
-          <p:cNvPr id="5" name="Slide Number Placeholder 4"/>
-          <p:cNvSpPr>
-            <a:spLocks noGrp="1"/>
-          </p:cNvSpPr>
-          <p:nvPr>
-            <p:ph type="sldNum" sz="quarter" idx="12"/>
-          </p:nvPr>
-        </p:nvSpPr>
-        <p:spPr/>
-        <p:txBody>
-          <a:bodyPr/>
-          <a:lstStyle/>
-          <a:p>
-            <a:fld id="{A0342DB6-9284-431B-A989-0F8D276BA9E5}" type="slidenum">
+            <a:fld id="{3194B1F8-AB51-44A6-8EB8-1490E4C9D1D4}" type="slidenum">
               <a:rPr lang="en-US"/>
               <a:pPr/>
               <a:t>46</a:t>
@@ -18805,6 +18684,41 @@
           </a:p>
         </p:txBody>
       </p:sp>
+      <p:pic>
+        <p:nvPicPr>
+          <p:cNvPr id="1026" name="Picture 2"/>
+          <p:cNvPicPr>
+            <a:picLocks noGrp="1" noChangeAspect="1" noChangeArrowheads="1"/>
+          </p:cNvPicPr>
+          <p:nvPr>
+            <p:ph idx="1"/>
+          </p:nvPr>
+        </p:nvPicPr>
+        <p:blipFill>
+          <a:blip r:embed="rId3"/>
+          <a:srcRect/>
+          <a:stretch>
+            <a:fillRect/>
+          </a:stretch>
+        </p:blipFill>
+        <p:spPr bwMode="auto">
+          <a:xfrm>
+            <a:off x="1850330" y="2249488"/>
+            <a:ext cx="5443339" cy="4324350"/>
+          </a:xfrm>
+          <a:prstGeom prst="rect">
+            <a:avLst/>
+          </a:prstGeom>
+          <a:noFill/>
+          <a:ln w="9525">
+            <a:noFill/>
+            <a:miter lim="800000"/>
+            <a:headEnd/>
+            <a:tailEnd/>
+          </a:ln>
+          <a:effectLst/>
+        </p:spPr>
+      </p:pic>
     </p:spTree>
   </p:cSld>
   <p:clrMapOvr>
@@ -18839,7 +18753,7 @@
       </p:grpSpPr>
       <p:sp>
         <p:nvSpPr>
-          <p:cNvPr id="47106" name="Rectangle 2"/>
+          <p:cNvPr id="112642" name="Rectangle 2"/>
           <p:cNvSpPr>
             <a:spLocks noGrp="1" noChangeArrowheads="1"/>
           </p:cNvSpPr>
@@ -18847,28 +18761,42 @@
             <p:ph type="title"/>
           </p:nvPr>
         </p:nvSpPr>
-        <p:spPr/>
+        <p:spPr>
+          <a:xfrm>
+            <a:off x="457200" y="457200"/>
+            <a:ext cx="8229600" cy="1066800"/>
+          </a:xfrm>
+        </p:spPr>
         <p:txBody>
           <a:bodyPr>
-            <a:normAutofit/>
+            <a:normAutofit fontScale="90000"/>
           </a:bodyPr>
           <a:lstStyle/>
           <a:p>
             <a:r>
-              <a:rPr lang="en-US"/>
-              <a:t>Useful Tips for Creating Models</a:t>
-            </a:r>
-          </a:p>
-        </p:txBody>
-      </p:sp>
-      <p:sp>
-        <p:nvSpPr>
-          <p:cNvPr id="47107" name="Rectangle 3"/>
-          <p:cNvSpPr>
-            <a:spLocks noGrp="1" noChangeArrowheads="1"/>
-          </p:cNvSpPr>
-          <p:nvPr>
-            <p:ph idx="1"/>
+              <a:rPr lang="en-US" b="1" dirty="0" smtClean="0"/>
+              <a:t>Detailed </a:t>
+            </a:r>
+            <a:r>
+              <a:rPr lang="en-US" b="1" dirty="0" smtClean="0"/>
+              <a:t>scenario: Arming the </a:t>
+            </a:r>
+            <a:r>
+              <a:rPr lang="en-US" b="1" dirty="0" smtClean="0"/>
+              <a:t>alarm</a:t>
+            </a:r>
+            <a:endParaRPr lang="en-US" dirty="0"/>
+          </a:p>
+        </p:txBody>
+      </p:sp>
+      <p:sp>
+        <p:nvSpPr>
+          <p:cNvPr id="5" name="Slide Number Placeholder 4"/>
+          <p:cNvSpPr>
+            <a:spLocks noGrp="1"/>
+          </p:cNvSpPr>
+          <p:nvPr>
+            <p:ph type="sldNum" sz="quarter" idx="12"/>
           </p:nvPr>
         </p:nvSpPr>
         <p:spPr/>
@@ -18876,87 +18804,7 @@
           <a:bodyPr/>
           <a:lstStyle/>
           <a:p>
-            <a:r>
-              <a:rPr lang="en-US" sz="2800"/>
-              <a:t>Features Dialog Box</a:t>
-            </a:r>
-            <a:r>
-              <a:rPr lang="en-US"/>
-              <a:t> </a:t>
-            </a:r>
-            <a:r>
-              <a:rPr lang="en-US" sz="2000"/>
-              <a:t>(right click an element)</a:t>
-            </a:r>
-          </a:p>
-          <a:p>
-            <a:r>
-              <a:rPr lang="en-US" sz="2800"/>
-              <a:t>Add new …</a:t>
-            </a:r>
-            <a:r>
-              <a:rPr lang="en-US"/>
-              <a:t>  </a:t>
-            </a:r>
-            <a:r>
-              <a:rPr lang="en-US" sz="2000"/>
-              <a:t>(right click its root directory)</a:t>
-            </a:r>
-          </a:p>
-          <a:p>
-            <a:r>
-              <a:rPr lang="en-US" sz="2800"/>
-              <a:t>Do not include spaces in the names</a:t>
-            </a:r>
-          </a:p>
-          <a:p>
-            <a:r>
-              <a:rPr lang="en-US" sz="2800"/>
-              <a:t>Synchronize graph editing with browser view</a:t>
-            </a:r>
-          </a:p>
-          <a:p>
-            <a:r>
-              <a:rPr lang="en-US" sz="2800"/>
-              <a:t>Display Options</a:t>
-            </a:r>
-            <a:r>
-              <a:rPr lang="en-US"/>
-              <a:t> </a:t>
-            </a:r>
-            <a:r>
-              <a:rPr lang="en-US" sz="2000"/>
-              <a:t>(choose the info to show in the graph)</a:t>
-            </a:r>
-          </a:p>
-          <a:p>
-            <a:r>
-              <a:rPr lang="en-US" sz="2800"/>
-              <a:t>Time is measured in milliseconds by default</a:t>
-            </a:r>
-            <a:endParaRPr lang="en-US" sz="2000"/>
-          </a:p>
-          <a:p>
-            <a:endParaRPr lang="en-US" sz="2000"/>
-          </a:p>
-        </p:txBody>
-      </p:sp>
-      <p:sp>
-        <p:nvSpPr>
-          <p:cNvPr id="5" name="Slide Number Placeholder 4"/>
-          <p:cNvSpPr>
-            <a:spLocks noGrp="1"/>
-          </p:cNvSpPr>
-          <p:nvPr>
-            <p:ph type="sldNum" sz="quarter" idx="12"/>
-          </p:nvPr>
-        </p:nvSpPr>
-        <p:spPr/>
-        <p:txBody>
-          <a:bodyPr/>
-          <a:lstStyle/>
-          <a:p>
-            <a:fld id="{E6C4D56D-0D19-4AAC-9266-32410019C86D}" type="slidenum">
+            <a:fld id="{3194B1F8-AB51-44A6-8EB8-1490E4C9D1D4}" type="slidenum">
               <a:rPr lang="en-US"/>
               <a:pPr/>
               <a:t>47</a:t>
@@ -18965,6 +18813,58 @@
           </a:p>
         </p:txBody>
       </p:sp>
+      <p:sp>
+        <p:nvSpPr>
+          <p:cNvPr id="6" name="Content Placeholder 5"/>
+          <p:cNvSpPr>
+            <a:spLocks noGrp="1"/>
+          </p:cNvSpPr>
+          <p:nvPr>
+            <p:ph idx="1"/>
+          </p:nvPr>
+        </p:nvSpPr>
+        <p:spPr/>
+        <p:txBody>
+          <a:bodyPr/>
+          <a:lstStyle/>
+          <a:p>
+            <a:endParaRPr lang="en-US"/>
+          </a:p>
+        </p:txBody>
+      </p:sp>
+      <p:pic>
+        <p:nvPicPr>
+          <p:cNvPr id="2050" name="Picture 2"/>
+          <p:cNvPicPr>
+            <a:picLocks noChangeAspect="1" noChangeArrowheads="1"/>
+          </p:cNvPicPr>
+          <p:nvPr/>
+        </p:nvPicPr>
+        <p:blipFill>
+          <a:blip r:embed="rId3"/>
+          <a:srcRect/>
+          <a:stretch>
+            <a:fillRect/>
+          </a:stretch>
+        </p:blipFill>
+        <p:spPr bwMode="auto">
+          <a:xfrm>
+            <a:off x="381000" y="1219200"/>
+            <a:ext cx="8477250" cy="5243513"/>
+          </a:xfrm>
+          <a:prstGeom prst="rect">
+            <a:avLst/>
+          </a:prstGeom>
+          <a:noFill/>
+          <a:ln w="9525">
+            <a:noFill/>
+            <a:miter lim="800000"/>
+            <a:headEnd/>
+            <a:tailEnd/>
+          </a:ln>
+          <a:effectLst/>
+        </p:spPr>
+      </p:pic>
     </p:spTree>
   </p:cSld>
   <p:clrMapOvr>
@@ -18999,7 +18899,7 @@
       </p:grpSpPr>
       <p:sp>
         <p:nvSpPr>
-          <p:cNvPr id="165890" name="Rectangle 2"/>
+          <p:cNvPr id="112642" name="Rectangle 2"/>
           <p:cNvSpPr>
             <a:spLocks noGrp="1" noChangeArrowheads="1"/>
           </p:cNvSpPr>
@@ -19007,140 +18907,50 @@
             <p:ph type="title"/>
           </p:nvPr>
         </p:nvSpPr>
+        <p:spPr>
+          <a:xfrm>
+            <a:off x="457200" y="457200"/>
+            <a:ext cx="8229600" cy="1066800"/>
+          </a:xfrm>
+        </p:spPr>
+        <p:txBody>
+          <a:bodyPr>
+            <a:normAutofit/>
+          </a:bodyPr>
+          <a:lstStyle/>
+          <a:p>
+            <a:r>
+              <a:rPr lang="en-US" b="1" dirty="0" smtClean="0"/>
+              <a:t>Behavior</a:t>
+            </a:r>
+            <a:r>
+              <a:rPr lang="en-US" b="1" dirty="0" smtClean="0"/>
+              <a:t>: The </a:t>
+            </a:r>
+            <a:r>
+              <a:rPr lang="en-US" b="1" dirty="0" err="1" smtClean="0"/>
+              <a:t>AlarmController</a:t>
+            </a:r>
+            <a:endParaRPr lang="en-US" dirty="0"/>
+          </a:p>
+        </p:txBody>
+      </p:sp>
+      <p:sp>
+        <p:nvSpPr>
+          <p:cNvPr id="5" name="Slide Number Placeholder 4"/>
+          <p:cNvSpPr>
+            <a:spLocks noGrp="1"/>
+          </p:cNvSpPr>
+          <p:nvPr>
+            <p:ph type="sldNum" sz="quarter" idx="12"/>
+          </p:nvPr>
+        </p:nvSpPr>
         <p:spPr/>
         <p:txBody>
           <a:bodyPr/>
           <a:lstStyle/>
           <a:p>
-            <a:r>
-              <a:rPr lang="en-US"/>
-              <a:t>Resource</a:t>
-            </a:r>
-          </a:p>
-        </p:txBody>
-      </p:sp>
-      <p:sp>
-        <p:nvSpPr>
-          <p:cNvPr id="165891" name="Rectangle 3"/>
-          <p:cNvSpPr>
-            <a:spLocks noGrp="1" noChangeArrowheads="1"/>
-          </p:cNvSpPr>
-          <p:nvPr>
-            <p:ph idx="1"/>
-          </p:nvPr>
-        </p:nvSpPr>
-        <p:spPr/>
-        <p:txBody>
-          <a:bodyPr/>
-          <a:lstStyle/>
-          <a:p>
-            <a:r>
-              <a:rPr lang="en-US" sz="2800"/>
-              <a:t>UML resource:</a:t>
-            </a:r>
-          </a:p>
-          <a:p>
-            <a:pPr>
-              <a:buFont typeface="Wingdings" pitchFamily="2" charset="2"/>
-              <a:buNone/>
-            </a:pPr>
-            <a:r>
-              <a:rPr lang="en-US" sz="2400">
-                <a:hlinkClick r:id="rId3"/>
-              </a:rPr>
-              <a:t>http://www.uml.org/#Links-General</a:t>
-            </a:r>
-            <a:endParaRPr lang="en-US" sz="2400"/>
-          </a:p>
-          <a:p>
-            <a:r>
-              <a:rPr lang="en-US" sz="2800"/>
-              <a:t>Model-driven Development resource:</a:t>
-            </a:r>
-          </a:p>
-          <a:p>
-            <a:pPr>
-              <a:buFont typeface="Wingdings" pitchFamily="2" charset="2"/>
-              <a:buNone/>
-            </a:pPr>
-            <a:r>
-              <a:rPr lang="en-US" sz="2400">
-                <a:hlinkClick r:id="rId4"/>
-              </a:rPr>
-              <a:t>http://www.mdsd.info/mdsd_cm/page.php?page=intro&amp;id=5</a:t>
-            </a:r>
-            <a:endParaRPr lang="en-US" sz="2400"/>
-          </a:p>
-          <a:p>
-            <a:pPr>
-              <a:buFont typeface="Wingdings" pitchFamily="2" charset="2"/>
-              <a:buNone/>
-            </a:pPr>
-            <a:r>
-              <a:rPr lang="en-US" sz="2400">
-                <a:hlinkClick r:id="rId5"/>
-              </a:rPr>
-              <a:t>http://www.omg.org/docs/omg/03-06-01.pdf</a:t>
-            </a:r>
-            <a:r>
-              <a:rPr lang="en-US" sz="2400"/>
-              <a:t> </a:t>
-            </a:r>
-          </a:p>
-          <a:p>
-            <a:r>
-              <a:rPr lang="en-US" sz="2800"/>
-              <a:t>Rhapsody resource:</a:t>
-            </a:r>
-          </a:p>
-          <a:p>
-            <a:pPr>
-              <a:buFont typeface="Wingdings" pitchFamily="2" charset="2"/>
-              <a:buNone/>
-            </a:pPr>
-            <a:r>
-              <a:rPr lang="en-US" sz="2800"/>
-              <a:t>Rhapsody-&gt;Help-&gt;List of Books</a:t>
-            </a:r>
-          </a:p>
-          <a:p>
-            <a:pPr>
-              <a:buFont typeface="Wingdings" pitchFamily="2" charset="2"/>
-              <a:buNone/>
-            </a:pPr>
-            <a:r>
-              <a:rPr lang="en-US" sz="2400">
-                <a:hlinkClick r:id="rId6"/>
-              </a:rPr>
-              <a:t>http://www.ilogix.com/sublevel.aspx?id=53</a:t>
-            </a:r>
-            <a:endParaRPr lang="en-US" sz="2400"/>
-          </a:p>
-          <a:p>
-            <a:pPr>
-              <a:buFont typeface="Wingdings" pitchFamily="2" charset="2"/>
-              <a:buNone/>
-            </a:pPr>
-            <a:endParaRPr lang="en-US" sz="2400"/>
-          </a:p>
-        </p:txBody>
-      </p:sp>
-      <p:sp>
-        <p:nvSpPr>
-          <p:cNvPr id="5" name="Slide Number Placeholder 4"/>
-          <p:cNvSpPr>
-            <a:spLocks noGrp="1"/>
-          </p:cNvSpPr>
-          <p:nvPr>
-            <p:ph type="sldNum" sz="quarter" idx="12"/>
-          </p:nvPr>
-        </p:nvSpPr>
-        <p:spPr/>
-        <p:txBody>
-          <a:bodyPr/>
-          <a:lstStyle/>
-          <a:p>
-            <a:fld id="{E01404DE-B1DC-47B4-8DEF-A7D4338A2618}" type="slidenum">
+            <a:fld id="{3194B1F8-AB51-44A6-8EB8-1490E4C9D1D4}" type="slidenum">
               <a:rPr lang="en-US"/>
               <a:pPr/>
               <a:t>48</a:t>
@@ -19149,12 +18959,63 @@
           </a:p>
         </p:txBody>
       </p:sp>
+      <p:sp>
+        <p:nvSpPr>
+          <p:cNvPr id="6" name="Content Placeholder 5"/>
+          <p:cNvSpPr>
+            <a:spLocks noGrp="1"/>
+          </p:cNvSpPr>
+          <p:nvPr>
+            <p:ph idx="1"/>
+          </p:nvPr>
+        </p:nvSpPr>
+        <p:spPr/>
+        <p:txBody>
+          <a:bodyPr/>
+          <a:lstStyle/>
+          <a:p>
+            <a:endParaRPr lang="en-US"/>
+          </a:p>
+        </p:txBody>
+      </p:sp>
+      <p:pic>
+        <p:nvPicPr>
+          <p:cNvPr id="3074" name="Picture 2"/>
+          <p:cNvPicPr>
+            <a:picLocks noChangeAspect="1" noChangeArrowheads="1"/>
+          </p:cNvPicPr>
+          <p:nvPr/>
+        </p:nvPicPr>
+        <p:blipFill>
+          <a:blip r:embed="rId3"/>
+          <a:srcRect/>
+          <a:stretch>
+            <a:fillRect/>
+          </a:stretch>
+        </p:blipFill>
+        <p:spPr bwMode="auto">
+          <a:xfrm>
+            <a:off x="762000" y="1247775"/>
+            <a:ext cx="7781925" cy="5610225"/>
+          </a:xfrm>
+          <a:prstGeom prst="rect">
+            <a:avLst/>
+          </a:prstGeom>
+          <a:noFill/>
+          <a:ln w="9525">
+            <a:noFill/>
+            <a:miter lim="800000"/>
+            <a:headEnd/>
+            <a:tailEnd/>
+          </a:ln>
+          <a:effectLst/>
+        </p:spPr>
+      </p:pic>
     </p:spTree>
   </p:cSld>
   <p:clrMapOvr>
     <a:masterClrMapping/>
   </p:clrMapOvr>
-  <p:transition/>
   <p:timing>
     <p:tnLst>
       <p:par>
@@ -19184,7 +19045,7 @@
       </p:grpSpPr>
       <p:sp>
         <p:nvSpPr>
-          <p:cNvPr id="38914" name="Rectangle 2"/>
+          <p:cNvPr id="165890" name="Rectangle 2"/>
           <p:cNvSpPr>
             <a:spLocks noGrp="1" noChangeArrowheads="1"/>
           </p:cNvSpPr>
@@ -19197,17 +19058,16 @@
           <a:bodyPr/>
           <a:lstStyle/>
           <a:p>
-            <a:pPr eaLnBrk="1" hangingPunct="1"/>
-            <a:r>
-              <a:rPr lang="en-US" smtClean="0"/>
-              <a:t>References</a:t>
-            </a:r>
-          </a:p>
-        </p:txBody>
-      </p:sp>
-      <p:sp>
-        <p:nvSpPr>
-          <p:cNvPr id="38915" name="Rectangle 3"/>
+            <a:r>
+              <a:rPr lang="en-US"/>
+              <a:t>Resource</a:t>
+            </a:r>
+          </a:p>
+        </p:txBody>
+      </p:sp>
+      <p:sp>
+        <p:nvSpPr>
+          <p:cNvPr id="165891" name="Rectangle 3"/>
           <p:cNvSpPr>
             <a:spLocks noGrp="1" noChangeArrowheads="1"/>
           </p:cNvSpPr>
@@ -19217,143 +19077,108 @@
         </p:nvSpPr>
         <p:spPr/>
         <p:txBody>
-          <a:bodyPr>
-            <a:normAutofit/>
-          </a:bodyPr>
-          <a:lstStyle/>
-          <a:p>
-            <a:pPr marL="609600" indent="-609600" eaLnBrk="1" hangingPunct="1">
-              <a:spcAft>
-                <a:spcPts val="600"/>
-              </a:spcAft>
-              <a:buFontTx/>
-              <a:buAutoNum type="arabicPeriod"/>
+          <a:bodyPr/>
+          <a:lstStyle/>
+          <a:p>
+            <a:r>
+              <a:rPr lang="en-US" sz="2800"/>
+              <a:t>UML resource:</a:t>
+            </a:r>
+          </a:p>
+          <a:p>
+            <a:pPr>
+              <a:buFont typeface="Wingdings" pitchFamily="2" charset="2"/>
+              <a:buNone/>
             </a:pPr>
             <a:r>
-              <a:rPr lang="en-US" sz="1400" smtClean="0"/>
-              <a:t>M. E. Bratman, “Intentions, Plans, and Practical Reason,” Harvard University Press, Cambridge, MA, 1987.</a:t>
-            </a:r>
-          </a:p>
-          <a:p>
-            <a:pPr marL="609600" indent="-609600" eaLnBrk="1" hangingPunct="1">
-              <a:spcAft>
-                <a:spcPts val="600"/>
-              </a:spcAft>
-              <a:buFontTx/>
-              <a:buAutoNum type="arabicPeriod"/>
-            </a:pPr>
-            <a:r>
-              <a:rPr lang="en-US" sz="1400" smtClean="0"/>
-              <a:t>BDI Agents and AgentSpeak(L)(Romelia Plesa,PhD Candidate, University of Ottawa)</a:t>
-            </a:r>
-          </a:p>
-          <a:p>
-            <a:pPr marL="609600" indent="-609600" eaLnBrk="1" hangingPunct="1">
-              <a:spcAft>
-                <a:spcPts val="600"/>
-              </a:spcAft>
-              <a:buFontTx/>
-              <a:buAutoNum type="arabicPeriod"/>
-            </a:pPr>
-            <a:r>
-              <a:rPr lang="en-US" sz="1400" smtClean="0"/>
-              <a:t>A BDI Agent-Based Software Process(</a:t>
-            </a:r>
-            <a:r>
-              <a:rPr lang="en-US" sz="1400" b="1" smtClean="0"/>
-              <a:t>Chang-Hyun Jo</a:t>
-            </a:r>
-            <a:r>
-              <a:rPr lang="en-US" sz="1400" smtClean="0"/>
-              <a:t>, California State University Fullerton, USA, </a:t>
-            </a:r>
-            <a:r>
-              <a:rPr lang="en-US" sz="1400" b="1" smtClean="0"/>
-              <a:t>Jeffery M. Einhorn, </a:t>
-            </a:r>
-            <a:r>
-              <a:rPr lang="en-US" sz="1400" smtClean="0"/>
-              <a:t>University of North Dakota, USA.</a:t>
-            </a:r>
-          </a:p>
-          <a:p>
-            <a:pPr marL="609600" indent="-609600" eaLnBrk="1" hangingPunct="1">
-              <a:spcAft>
-                <a:spcPts val="600"/>
-              </a:spcAft>
-              <a:buFontTx/>
-              <a:buAutoNum type="arabicPeriod"/>
-            </a:pPr>
-            <a:r>
-              <a:rPr lang="en-US" sz="1400" smtClean="0"/>
-              <a:t>AgentSpeak(L): BDI Agents speak out in a logical computable language (Anand S. Rao)</a:t>
-            </a:r>
-          </a:p>
-          <a:p>
-            <a:pPr marL="609600" indent="-609600" eaLnBrk="1" hangingPunct="1">
-              <a:spcAft>
-                <a:spcPts val="600"/>
-              </a:spcAft>
-              <a:buFontTx/>
-              <a:buAutoNum type="arabicPeriod"/>
-            </a:pPr>
-            <a:r>
-              <a:rPr lang="en-US" sz="1400" smtClean="0">
+              <a:rPr lang="en-US" sz="2400">
                 <a:hlinkClick r:id="rId3"/>
               </a:rPr>
-              <a:t>http://jason.sourceforge.net/mini-tutorial/getting-started/</a:t>
-            </a:r>
-            <a:endParaRPr lang="en-US" sz="1400" smtClean="0"/>
-          </a:p>
-          <a:p>
-            <a:pPr marL="609600" indent="-609600" eaLnBrk="1" hangingPunct="1">
-              <a:spcAft>
-                <a:spcPts val="600"/>
-              </a:spcAft>
-              <a:buFontTx/>
-              <a:buAutoNum type="arabicPeriod"/>
+              <a:t>http://www.uml.org/#Links-General</a:t>
+            </a:r>
+            <a:endParaRPr lang="en-US" sz="2400"/>
+          </a:p>
+          <a:p>
+            <a:r>
+              <a:rPr lang="en-US" sz="2800"/>
+              <a:t>Model-driven Development resource:</a:t>
+            </a:r>
+          </a:p>
+          <a:p>
+            <a:pPr>
+              <a:buFont typeface="Wingdings" pitchFamily="2" charset="2"/>
+              <a:buNone/>
             </a:pPr>
             <a:r>
-              <a:rPr lang="en-US" sz="1400" smtClean="0"/>
-              <a:t>P. R. Cohen and H. J. Levesque, “Intention is choice with commitment,” Artificial Intelligence , vol. 42, is. 2-3, pp.213-261, 1990.</a:t>
-            </a:r>
-          </a:p>
-          <a:p>
-            <a:pPr marL="609600" indent="-609600" eaLnBrk="1" hangingPunct="1">
-              <a:spcAft>
-                <a:spcPts val="600"/>
-              </a:spcAft>
-              <a:buFontTx/>
-              <a:buAutoNum type="arabicPeriod"/>
+              <a:rPr lang="en-US" sz="2400">
+                <a:hlinkClick r:id="rId4"/>
+              </a:rPr>
+              <a:t>http://www.mdsd.info/mdsd_cm/page.php?page=intro&amp;id=5</a:t>
+            </a:r>
+            <a:endParaRPr lang="en-US" sz="2400"/>
+          </a:p>
+          <a:p>
+            <a:pPr>
+              <a:buFont typeface="Wingdings" pitchFamily="2" charset="2"/>
+              <a:buNone/>
             </a:pPr>
             <a:r>
-              <a:rPr lang="en-US" sz="1400" smtClean="0"/>
-              <a:t>Bordini, R. H., Hübner, J. F. and Vieira, R., “Jason and the Golden Fleece of agent-oriented programming.” In R. H. Bordini, M. Dastani, J. Dix, and A. El Fallah Seghrouchni, editors, Multi-Agent Programming: Languages, Platforms and Applications, chapter 1, pp. 3–37,Springer-Verlag, 2005.</a:t>
-            </a:r>
-          </a:p>
-          <a:p>
-            <a:pPr marL="609600" indent="-609600" eaLnBrk="1" hangingPunct="1">
-              <a:spcAft>
-                <a:spcPts val="600"/>
-              </a:spcAft>
-              <a:buFontTx/>
-              <a:buAutoNum type="arabicPeriod"/>
+              <a:rPr lang="en-US" sz="2400">
+                <a:hlinkClick r:id="rId5"/>
+              </a:rPr>
+              <a:t>http://www.omg.org/docs/omg/03-06-01.pdf</a:t>
+            </a:r>
+            <a:r>
+              <a:rPr lang="en-US" sz="2400"/>
+              <a:t> </a:t>
+            </a:r>
+          </a:p>
+          <a:p>
+            <a:r>
+              <a:rPr lang="en-US" sz="2800"/>
+              <a:t>Rhapsody resource:</a:t>
+            </a:r>
+          </a:p>
+          <a:p>
+            <a:pPr>
+              <a:buFont typeface="Wingdings" pitchFamily="2" charset="2"/>
+              <a:buNone/>
             </a:pPr>
             <a:r>
-              <a:rPr lang="en-US" sz="1400" smtClean="0"/>
-              <a:t>Rao, A. S. “AgentSpeak(L): BDI agents speak out in a logical computable language”, In Proceedings of the 7th European Workshop on Modelling Autonomous Agents in A Multi-Agent World (MAAMAW’96,), pp. 42-55, 1996</a:t>
-            </a:r>
-          </a:p>
-        </p:txBody>
-      </p:sp>
-      <p:sp>
-        <p:nvSpPr>
-          <p:cNvPr id="5" name="Date Placeholder 3"/>
-          <p:cNvSpPr>
-            <a:spLocks noGrp="1"/>
-          </p:cNvSpPr>
-          <p:nvPr>
-            <p:ph type="dt" sz="half" idx="10"/>
+              <a:rPr lang="en-US" sz="2800"/>
+              <a:t>Rhapsody-&gt;Help-&gt;List of Books</a:t>
+            </a:r>
+          </a:p>
+          <a:p>
+            <a:pPr>
+              <a:buFont typeface="Wingdings" pitchFamily="2" charset="2"/>
+              <a:buNone/>
+            </a:pPr>
+            <a:r>
+              <a:rPr lang="en-US" sz="2400">
+                <a:hlinkClick r:id="rId6"/>
+              </a:rPr>
+              <a:t>http://www.ilogix.com/sublevel.aspx?id=53</a:t>
+            </a:r>
+            <a:endParaRPr lang="en-US" sz="2400"/>
+          </a:p>
+          <a:p>
+            <a:pPr>
+              <a:buFont typeface="Wingdings" pitchFamily="2" charset="2"/>
+              <a:buNone/>
+            </a:pPr>
+            <a:endParaRPr lang="en-US" sz="2400"/>
+          </a:p>
+        </p:txBody>
+      </p:sp>
+      <p:sp>
+        <p:nvSpPr>
+          <p:cNvPr id="5" name="Slide Number Placeholder 4"/>
+          <p:cNvSpPr>
+            <a:spLocks noGrp="1"/>
+          </p:cNvSpPr>
+          <p:nvPr>
+            <p:ph type="sldNum" sz="quarter" idx="12"/>
           </p:nvPr>
         </p:nvSpPr>
         <p:spPr/>
@@ -19361,43 +19186,9 @@
           <a:bodyPr/>
           <a:lstStyle/>
           <a:p>
-            <a:pPr>
-              <a:defRPr/>
-            </a:pPr>
-            <a:fld id="{233469F9-3752-4C1C-BBFC-9F94988753BC}" type="datetime1">
+            <a:fld id="{E01404DE-B1DC-47B4-8DEF-A7D4338A2618}" type="slidenum">
               <a:rPr lang="en-US"/>
-              <a:pPr>
-                <a:defRPr/>
-              </a:pPr>
-              <a:t>12/7/2008</a:t>
-            </a:fld>
-            <a:endParaRPr lang="en-US"/>
-          </a:p>
-        </p:txBody>
-      </p:sp>
-      <p:sp>
-        <p:nvSpPr>
-          <p:cNvPr id="6" name="Slide Number Placeholder 5"/>
-          <p:cNvSpPr>
-            <a:spLocks noGrp="1"/>
-          </p:cNvSpPr>
-          <p:nvPr>
-            <p:ph type="sldNum" sz="quarter" idx="12"/>
-          </p:nvPr>
-        </p:nvSpPr>
-        <p:spPr/>
-        <p:txBody>
-          <a:bodyPr/>
-          <a:lstStyle/>
-          <a:p>
-            <a:pPr>
-              <a:defRPr/>
-            </a:pPr>
-            <a:fld id="{A27DA1D1-5FB3-4E6C-98C5-96F50046B351}" type="slidenum">
-              <a:rPr lang="en-US"/>
-              <a:pPr>
-                <a:defRPr/>
-              </a:pPr>
+              <a:pPr/>
               <a:t>49</a:t>
             </a:fld>
             <a:endParaRPr lang="en-US"/>
@@ -19409,6 +19200,7 @@
   <p:clrMapOvr>
     <a:masterClrMapping/>
   </p:clrMapOvr>
+  <p:transition/>
   <p:timing>
     <p:tnLst>
       <p:par>
@@ -19510,6 +19302,260 @@
           <a:p>
             <a:pPr lvl="1"/>
             <a:endParaRPr lang="en-US" dirty="0"/>
+          </a:p>
+        </p:txBody>
+      </p:sp>
+    </p:spTree>
+  </p:cSld>
+  <p:clrMapOvr>
+    <a:masterClrMapping/>
+  </p:clrMapOvr>
+  <p:timing>
+    <p:tnLst>
+      <p:par>
+        <p:cTn id="1" dur="indefinite" restart="never" nodeType="tmRoot"/>
+      </p:par>
+    </p:tnLst>
+  </p:timing>
+</p:sld>
+</file>
+
+<file path=ppt/slides/slide50.xml><?xml version="1.0" encoding="utf-8"?>
+<p:sld xmlns:a="http://schemas.openxmlformats.org/drawingml/2006/main" xmlns:r="http://schemas.openxmlformats.org/officeDocument/2006/relationships" xmlns:p="http://schemas.openxmlformats.org/presentationml/2006/main">
+  <p:cSld>
+    <p:spTree>
+      <p:nvGrpSpPr>
+        <p:cNvPr id="1" name=""/>
+        <p:cNvGrpSpPr/>
+        <p:nvPr/>
+      </p:nvGrpSpPr>
+      <p:grpSpPr>
+        <a:xfrm>
+          <a:off x="0" y="0"/>
+          <a:ext cx="0" cy="0"/>
+          <a:chOff x="0" y="0"/>
+          <a:chExt cx="0" cy="0"/>
+        </a:xfrm>
+      </p:grpSpPr>
+      <p:sp>
+        <p:nvSpPr>
+          <p:cNvPr id="38914" name="Rectangle 2"/>
+          <p:cNvSpPr>
+            <a:spLocks noGrp="1" noChangeArrowheads="1"/>
+          </p:cNvSpPr>
+          <p:nvPr>
+            <p:ph type="title"/>
+          </p:nvPr>
+        </p:nvSpPr>
+        <p:spPr/>
+        <p:txBody>
+          <a:bodyPr/>
+          <a:lstStyle/>
+          <a:p>
+            <a:pPr eaLnBrk="1" hangingPunct="1"/>
+            <a:r>
+              <a:rPr lang="en-US" smtClean="0"/>
+              <a:t>References</a:t>
+            </a:r>
+          </a:p>
+        </p:txBody>
+      </p:sp>
+      <p:sp>
+        <p:nvSpPr>
+          <p:cNvPr id="38915" name="Rectangle 3"/>
+          <p:cNvSpPr>
+            <a:spLocks noGrp="1" noChangeArrowheads="1"/>
+          </p:cNvSpPr>
+          <p:nvPr>
+            <p:ph idx="1"/>
+          </p:nvPr>
+        </p:nvSpPr>
+        <p:spPr/>
+        <p:txBody>
+          <a:bodyPr>
+            <a:normAutofit/>
+          </a:bodyPr>
+          <a:lstStyle/>
+          <a:p>
+            <a:pPr marL="609600" indent="-609600" eaLnBrk="1" hangingPunct="1">
+              <a:spcAft>
+                <a:spcPts val="600"/>
+              </a:spcAft>
+              <a:buFontTx/>
+              <a:buAutoNum type="arabicPeriod"/>
+            </a:pPr>
+            <a:r>
+              <a:rPr lang="en-US" sz="1400" smtClean="0"/>
+              <a:t>M. E. Bratman, “Intentions, Plans, and Practical Reason,” Harvard University Press, Cambridge, MA, 1987.</a:t>
+            </a:r>
+          </a:p>
+          <a:p>
+            <a:pPr marL="609600" indent="-609600" eaLnBrk="1" hangingPunct="1">
+              <a:spcAft>
+                <a:spcPts val="600"/>
+              </a:spcAft>
+              <a:buFontTx/>
+              <a:buAutoNum type="arabicPeriod"/>
+            </a:pPr>
+            <a:r>
+              <a:rPr lang="en-US" sz="1400" smtClean="0"/>
+              <a:t>BDI Agents and AgentSpeak(L)(Romelia Plesa,PhD Candidate, University of Ottawa)</a:t>
+            </a:r>
+          </a:p>
+          <a:p>
+            <a:pPr marL="609600" indent="-609600" eaLnBrk="1" hangingPunct="1">
+              <a:spcAft>
+                <a:spcPts val="600"/>
+              </a:spcAft>
+              <a:buFontTx/>
+              <a:buAutoNum type="arabicPeriod"/>
+            </a:pPr>
+            <a:r>
+              <a:rPr lang="en-US" sz="1400" smtClean="0"/>
+              <a:t>A BDI Agent-Based Software Process(</a:t>
+            </a:r>
+            <a:r>
+              <a:rPr lang="en-US" sz="1400" b="1" smtClean="0"/>
+              <a:t>Chang-Hyun Jo</a:t>
+            </a:r>
+            <a:r>
+              <a:rPr lang="en-US" sz="1400" smtClean="0"/>
+              <a:t>, California State University Fullerton, USA, </a:t>
+            </a:r>
+            <a:r>
+              <a:rPr lang="en-US" sz="1400" b="1" smtClean="0"/>
+              <a:t>Jeffery M. Einhorn, </a:t>
+            </a:r>
+            <a:r>
+              <a:rPr lang="en-US" sz="1400" smtClean="0"/>
+              <a:t>University of North Dakota, USA.</a:t>
+            </a:r>
+          </a:p>
+          <a:p>
+            <a:pPr marL="609600" indent="-609600" eaLnBrk="1" hangingPunct="1">
+              <a:spcAft>
+                <a:spcPts val="600"/>
+              </a:spcAft>
+              <a:buFontTx/>
+              <a:buAutoNum type="arabicPeriod"/>
+            </a:pPr>
+            <a:r>
+              <a:rPr lang="en-US" sz="1400" smtClean="0"/>
+              <a:t>AgentSpeak(L): BDI Agents speak out in a logical computable language (Anand S. Rao)</a:t>
+            </a:r>
+          </a:p>
+          <a:p>
+            <a:pPr marL="609600" indent="-609600" eaLnBrk="1" hangingPunct="1">
+              <a:spcAft>
+                <a:spcPts val="600"/>
+              </a:spcAft>
+              <a:buFontTx/>
+              <a:buAutoNum type="arabicPeriod"/>
+            </a:pPr>
+            <a:r>
+              <a:rPr lang="en-US" sz="1400" smtClean="0">
+                <a:hlinkClick r:id="rId3"/>
+              </a:rPr>
+              <a:t>http://jason.sourceforge.net/mini-tutorial/getting-started/</a:t>
+            </a:r>
+            <a:endParaRPr lang="en-US" sz="1400" smtClean="0"/>
+          </a:p>
+          <a:p>
+            <a:pPr marL="609600" indent="-609600" eaLnBrk="1" hangingPunct="1">
+              <a:spcAft>
+                <a:spcPts val="600"/>
+              </a:spcAft>
+              <a:buFontTx/>
+              <a:buAutoNum type="arabicPeriod"/>
+            </a:pPr>
+            <a:r>
+              <a:rPr lang="en-US" sz="1400" smtClean="0"/>
+              <a:t>P. R. Cohen and H. J. Levesque, “Intention is choice with commitment,” Artificial Intelligence , vol. 42, is. 2-3, pp.213-261, 1990.</a:t>
+            </a:r>
+          </a:p>
+          <a:p>
+            <a:pPr marL="609600" indent="-609600" eaLnBrk="1" hangingPunct="1">
+              <a:spcAft>
+                <a:spcPts val="600"/>
+              </a:spcAft>
+              <a:buFontTx/>
+              <a:buAutoNum type="arabicPeriod"/>
+            </a:pPr>
+            <a:r>
+              <a:rPr lang="en-US" sz="1400" smtClean="0"/>
+              <a:t>Bordini, R. H., Hübner, J. F. and Vieira, R., “Jason and the Golden Fleece of agent-oriented programming.” In R. H. Bordini, M. Dastani, J. Dix, and A. El Fallah Seghrouchni, editors, Multi-Agent Programming: Languages, Platforms and Applications, chapter 1, pp. 3–37,Springer-Verlag, 2005.</a:t>
+            </a:r>
+          </a:p>
+          <a:p>
+            <a:pPr marL="609600" indent="-609600" eaLnBrk="1" hangingPunct="1">
+              <a:spcAft>
+                <a:spcPts val="600"/>
+              </a:spcAft>
+              <a:buFontTx/>
+              <a:buAutoNum type="arabicPeriod"/>
+            </a:pPr>
+            <a:r>
+              <a:rPr lang="en-US" sz="1400" smtClean="0"/>
+              <a:t>Rao, A. S. “AgentSpeak(L): BDI agents speak out in a logical computable language”, In Proceedings of the 7th European Workshop on Modelling Autonomous Agents in A Multi-Agent World (MAAMAW’96,), pp. 42-55, 1996</a:t>
+            </a:r>
+          </a:p>
+        </p:txBody>
+      </p:sp>
+      <p:sp>
+        <p:nvSpPr>
+          <p:cNvPr id="5" name="Date Placeholder 3"/>
+          <p:cNvSpPr>
+            <a:spLocks noGrp="1"/>
+          </p:cNvSpPr>
+          <p:nvPr>
+            <p:ph type="dt" sz="half" idx="10"/>
+          </p:nvPr>
+        </p:nvSpPr>
+        <p:spPr/>
+        <p:txBody>
+          <a:bodyPr/>
+          <a:lstStyle/>
+          <a:p>
+            <a:pPr>
+              <a:defRPr/>
+            </a:pPr>
+            <a:fld id="{233469F9-3752-4C1C-BBFC-9F94988753BC}" type="datetime1">
+              <a:rPr lang="en-US"/>
+              <a:pPr>
+                <a:defRPr/>
+              </a:pPr>
+              <a:t>12/7/2008</a:t>
+            </a:fld>
+            <a:endParaRPr lang="en-US"/>
+          </a:p>
+        </p:txBody>
+      </p:sp>
+      <p:sp>
+        <p:nvSpPr>
+          <p:cNvPr id="6" name="Slide Number Placeholder 5"/>
+          <p:cNvSpPr>
+            <a:spLocks noGrp="1"/>
+          </p:cNvSpPr>
+          <p:nvPr>
+            <p:ph type="sldNum" sz="quarter" idx="12"/>
+          </p:nvPr>
+        </p:nvSpPr>
+        <p:spPr/>
+        <p:txBody>
+          <a:bodyPr/>
+          <a:lstStyle/>
+          <a:p>
+            <a:pPr>
+              <a:defRPr/>
+            </a:pPr>
+            <a:fld id="{A27DA1D1-5FB3-4E6C-98C5-96F50046B351}" type="slidenum">
+              <a:rPr lang="en-US"/>
+              <a:pPr>
+                <a:defRPr/>
+              </a:pPr>
+              <a:t>50</a:t>
+            </a:fld>
+            <a:endParaRPr lang="en-US"/>
           </a:p>
         </p:txBody>
       </p:sp>
@@ -19886,6 +19932,14 @@
     </p:tnLst>
   </p:timing>
 </p:sld>
+</file>
+
+<file path=ppt/tags/tag1.xml><?xml version="1.0" encoding="utf-8"?>
+<p:tagLst xmlns:a="http://schemas.openxmlformats.org/drawingml/2006/main" xmlns:r="http://schemas.openxmlformats.org/officeDocument/2006/relationships" xmlns:p="http://schemas.openxmlformats.org/presentationml/2006/main">
+  <p:tag name="MMPROD_NEXTUNIQUEID" val="10009"/>
+  <p:tag name="MMPROD_UIDATA" val="&lt;database version=&quot;7.0&quot;&gt;&lt;object type=&quot;1&quot; unique_id=&quot;10001&quot;&gt;&lt;object type=&quot;8&quot; unique_id=&quot;10002&quot;&gt;&lt;/object&gt;&lt;object type=&quot;2&quot; unique_id=&quot;10003&quot;&gt;&lt;object type=&quot;3&quot; unique_id=&quot;10004&quot;&gt;&lt;property id=&quot;20148&quot; value=&quot;5&quot;/&gt;&lt;property id=&quot;20300&quot; value=&quot;Slide 1 - &amp;quot;Smart Home Calendaring and Notification System&amp;quot;&quot;/&gt;&lt;property id=&quot;20307&quot; value=&quot;256&quot;/&gt;&lt;/object&gt;&lt;object type=&quot;3&quot; unique_id=&quot;10005&quot;&gt;&lt;property id=&quot;20148&quot; value=&quot;5&quot;/&gt;&lt;property id=&quot;20300&quot; value=&quot;Slide 2 - &amp;quot;Introduction&amp;quot;&quot;/&gt;&lt;property id=&quot;20307&quot; value=&quot;257&quot;/&gt;&lt;/object&gt;&lt;object type=&quot;3&quot; unique_id=&quot;10006&quot;&gt;&lt;property id=&quot;20148&quot; value=&quot;5&quot;/&gt;&lt;property id=&quot;20300&quot; value=&quot;Slide 3 - &amp;quot;Overview of System&amp;quot;&quot;/&gt;&lt;property id=&quot;20307&quot; value=&quot;258&quot;/&gt;&lt;/object&gt;&lt;object type=&quot;3&quot; unique_id=&quot;10007&quot;&gt;&lt;property id=&quot;20148&quot; value=&quot;5&quot;/&gt;&lt;property id=&quot;20300&quot; value=&quot;Slide 4 - &amp;quot;Overview of System (cont.)&amp;quot;&quot;/&gt;&lt;property id=&quot;20307&quot; value=&quot;259&quot;/&gt;&lt;/object&gt;&lt;object type=&quot;3&quot; unique_id=&quot;10008&quot;&gt;&lt;property id=&quot;20148&quot; value=&quot;5&quot;/&gt;&lt;property id=&quot;20300&quot; value=&quot;Slide 5 - &amp;quot;Overall description&amp;quot;&quot;/&gt;&lt;property id=&quot;20307&quot; value=&quot;260&quot;/&gt;&lt;/object&gt;&lt;object type=&quot;3&quot; unique_id=&quot;10009&quot;&gt;&lt;property id=&quot;20148&quot; value=&quot;5&quot;/&gt;&lt;property id=&quot;20300&quot; value=&quot;Slide 6&quot;/&gt;&lt;property id=&quot;20307&quot; value=&quot;264&quot;/&gt;&lt;/object&gt;&lt;object type=&quot;3&quot; unique_id=&quot;10010&quot;&gt;&lt;property id=&quot;20148&quot; value=&quot;5&quot;/&gt;&lt;property id=&quot;20300&quot; value=&quot;Slide 7&quot;/&gt;&lt;property id=&quot;20307&quot; value=&quot;263&quot;/&gt;&lt;/object&gt;&lt;object type=&quot;3&quot; unique_id=&quot;10011&quot;&gt;&lt;property id=&quot;20148&quot; value=&quot;5&quot;/&gt;&lt;property id=&quot;20300&quot; value=&quot;Slide 8&quot;/&gt;&lt;property id=&quot;20307&quot; value=&quot;261&quot;/&gt;&lt;/object&gt;&lt;object type=&quot;3&quot; unique_id=&quot;10012&quot;&gt;&lt;property id=&quot;20148&quot; value=&quot;5&quot;/&gt;&lt;property id=&quot;20300&quot; value=&quot;Slide 9&quot;/&gt;&lt;property id=&quot;20307&quot; value=&quot;262&quot;/&gt;&lt;/object&gt;&lt;object type=&quot;3&quot; unique_id=&quot;10013&quot;&gt;&lt;property id=&quot;20148&quot; value=&quot;5&quot;/&gt;&lt;property id=&quot;20300&quot; value=&quot;Slide 10&quot;/&gt;&lt;property id=&quot;20307&quot; value=&quot;265&quot;/&gt;&lt;/object&gt;&lt;object type=&quot;3&quot; unique_id=&quot;10014&quot;&gt;&lt;property id=&quot;20148&quot; value=&quot;5&quot;/&gt;&lt;property id=&quot;20300&quot; value=&quot;Slide 11 - &amp;quot;System Requirements&amp;quot;&quot;/&gt;&lt;property id=&quot;20307&quot; value=&quot;304&quot;/&gt;&lt;/object&gt;&lt;object type=&quot;3&quot; unique_id=&quot;10015&quot;&gt;&lt;property id=&quot;20148&quot; value=&quot;5&quot;/&gt;&lt;property id=&quot;20300&quot; value=&quot;Slide 12 - &amp;quot;Specific Requirements&amp;quot;&quot;/&gt;&lt;property id=&quot;20307&quot; value=&quot;266&quot;/&gt;&lt;/object&gt;&lt;object type=&quot;3&quot; unique_id=&quot;10016&quot;&gt;&lt;property id=&quot;20148&quot; value=&quot;5&quot;/&gt;&lt;property id=&quot;20300&quot; value=&quot;Slide 13 - &amp;quot;External Interface Requirements&amp;#x0D;&amp;#x0A;&amp;quot;&quot;/&gt;&lt;property id=&quot;20307&quot; value=&quot;267&quot;/&gt;&lt;/object&gt;&lt;object type=&quot;3&quot; unique_id=&quot;10017&quot;&gt;&lt;property id=&quot;20148&quot; value=&quot;5&quot;/&gt;&lt;property id=&quot;20300&quot; value=&quot;Slide 14 - &amp;quot;External Interface Requirements&amp;#x0D;&amp;#x0A;&amp;quot;&quot;/&gt;&lt;property id=&quot;20307&quot; value=&quot;268&quot;/&gt;&lt;/object&gt;&lt;object type=&quot;3&quot; unique_id=&quot;10018&quot;&gt;&lt;property id=&quot;20148&quot; value=&quot;5&quot;/&gt;&lt;property id=&quot;20300&quot; value=&quot;Slide 15 - &amp;quot;External Interface Requirements&amp;#x0D;&amp;#x0A;&amp;quot;&quot;/&gt;&lt;property id=&quot;20307&quot; value=&quot;269&quot;/&gt;&lt;/object&gt;&lt;object type=&quot;3&quot; unique_id=&quot;10019&quot;&gt;&lt;property id=&quot;20148&quot; value=&quot;5&quot;/&gt;&lt;property id=&quot;20300&quot; value=&quot;Slide 16 - &amp;quot;External Interface Requirements&amp;#x0D;&amp;#x0A;&amp;quot;&quot;/&gt;&lt;property id=&quot;20307&quot; value=&quot;270&quot;/&gt;&lt;/object&gt;&lt;object type=&quot;3&quot; unique_id=&quot;10020&quot;&gt;&lt;property id=&quot;20148&quot; value=&quot;5&quot;/&gt;&lt;property id=&quot;20300&quot; value=&quot;Slide 17 - &amp;quot;External Interface Requirements&amp;#x0D;&amp;#x0A;&amp;quot;&quot;/&gt;&lt;property id=&quot;20307&quot; value=&quot;271&quot;/&gt;&lt;/object&gt;&lt;object type=&quot;3&quot; unique_id=&quot;10021&quot;&gt;&lt;property id=&quot;20148&quot; value=&quot;5&quot;/&gt;&lt;property id=&quot;20300&quot; value=&quot;Slide 18 - &amp;quot;External Interface Requirements&amp;#x0D;&amp;#x0A;&amp;quot;&quot;/&gt;&lt;property id=&quot;20307&quot; value=&quot;272&quot;/&gt;&lt;/object&gt;&lt;object type=&quot;3&quot; unique_id=&quot;10022&quot;&gt;&lt;property id=&quot;20148&quot; value=&quot;5&quot;/&gt;&lt;property id=&quot;20300&quot; value=&quot;Slide 19 - &amp;quot;External Interface Requirements&amp;#x0D;&amp;#x0A;&amp;quot;&quot;/&gt;&lt;property id=&quot;20307&quot; value=&quot;273&quot;/&gt;&lt;/object&gt;&lt;object type=&quot;3&quot; unique_id=&quot;10023&quot;&gt;&lt;property id=&quot;20148&quot; value=&quot;5&quot;/&gt;&lt;property id=&quot;20300&quot; value=&quot;Slide 20 - &amp;quot;PERFORMANCE REQUIREMENTS&amp;quot;&quot;/&gt;&lt;property id=&quot;20307&quot; value=&quot;274&quot;/&gt;&lt;/object&gt;&lt;object type=&quot;3&quot; unique_id=&quot;10024&quot;&gt;&lt;property id=&quot;20148&quot; value=&quot;5&quot;/&gt;&lt;property id=&quot;20300&quot; value=&quot;Slide 21 - &amp;quot;SOFTWARE SYSTEM ATTRIBUTES&amp;quot;&quot;/&gt;&lt;property id=&quot;20307&quot; value=&quot;275&quot;/&gt;&lt;/object&gt;&lt;object type=&quot;3&quot; unique_id=&quot;10025&quot;&gt;&lt;property id=&quot;20148&quot; value=&quot;5&quot;/&gt;&lt;property id=&quot;20300&quot; value=&quot;Slide 22 - &amp;quot;Reliability/Dependability&amp;#x0D;&amp;#x0A;&amp;quot;&quot;/&gt;&lt;property id=&quot;20307&quot; value=&quot;276&quot;/&gt;&lt;/object&gt;&lt;object type=&quot;3&quot; unique_id=&quot;10026&quot;&gt;&lt;property id=&quot;20148&quot; value=&quot;5&quot;/&gt;&lt;property id=&quot;20300&quot; value=&quot;Slide 23 - &amp;quot;Security&amp;#x0D;&amp;#x0A;&amp;quot;&quot;/&gt;&lt;property id=&quot;20307&quot; value=&quot;277&quot;/&gt;&lt;/object&gt;&lt;object type=&quot;3&quot; unique_id=&quot;10027&quot;&gt;&lt;property id=&quot;20148&quot; value=&quot;5&quot;/&gt;&lt;property id=&quot;20300&quot; value=&quot;Slide 24 - &amp;quot;Availability&amp;#x0D;&amp;#x0A;&amp;quot;&quot;/&gt;&lt;property id=&quot;20307&quot; value=&quot;278&quot;/&gt;&lt;/object&gt;&lt;object type=&quot;3&quot; unique_id=&quot;10028&quot;&gt;&lt;property id=&quot;20148&quot; value=&quot;5&quot;/&gt;&lt;property id=&quot;20300&quot; value=&quot;Slide 25 - &amp;quot;Maintainability&amp;quot;&quot;/&gt;&lt;property id=&quot;20307&quot; value=&quot;279&quot;/&gt;&lt;/object&gt;&lt;object type=&quot;3&quot; unique_id=&quot;10029&quot;&gt;&lt;property id=&quot;20148&quot; value=&quot;5&quot;/&gt;&lt;property id=&quot;20300&quot; value=&quot;Slide 26 - &amp;quot;Reparability&amp;quot;&quot;/&gt;&lt;property id=&quot;20307&quot; value=&quot;280&quot;/&gt;&lt;/object&gt;&lt;object type=&quot;3&quot; unique_id=&quot;10030&quot;&gt;&lt;property id=&quot;20148&quot; value=&quot;5&quot;/&gt;&lt;property id=&quot;20300&quot; value=&quot;Slide 27 - &amp;quot;Design Constraints&amp;quot;&quot;/&gt;&lt;property id=&quot;20307&quot; value=&quot;281&quot;/&gt;&lt;/object&gt;&lt;object type=&quot;3&quot; unique_id=&quot;10031&quot;&gt;&lt;property id=&quot;20148&quot; value=&quot;5&quot;/&gt;&lt;property id=&quot;20300&quot; value=&quot;Slide 28 - &amp;quot;Design Constraints&amp;quot;&quot;/&gt;&lt;property id=&quot;20307&quot; value=&quot;282&quot;/&gt;&lt;/object&gt;&lt;object type=&quot;3&quot; unique_id=&quot;10032&quot;&gt;&lt;property id=&quot;20148&quot; value=&quot;5&quot;/&gt;&lt;property id=&quot;20300&quot; value=&quot;Slide 29 - &amp;quot;System Verification&amp;quot;&quot;/&gt;&lt;property id=&quot;20307&quot; value=&quot;283&quot;/&gt;&lt;/object&gt;&lt;object type=&quot;3&quot; unique_id=&quot;10033&quot;&gt;&lt;property id=&quot;20148&quot; value=&quot;5&quot;/&gt;&lt;property id=&quot;20300&quot; value=&quot;Slide 30 - &amp;quot;Introduction of BDI&amp;quot;&quot;/&gt;&lt;property id=&quot;20307&quot; value=&quot;284&quot;/&gt;&lt;/object&gt;&lt;object type=&quot;3&quot; unique_id=&quot;10034&quot;&gt;&lt;property id=&quot;20148&quot; value=&quot;5&quot;/&gt;&lt;property id=&quot;20300&quot; value=&quot;Slide 31 - &amp;quot;BDI Logic&amp;quot;&quot;/&gt;&lt;property id=&quot;20307&quot; value=&quot;285&quot;/&gt;&lt;/object&gt;&lt;object type=&quot;3&quot; unique_id=&quot;10035&quot;&gt;&lt;property id=&quot;20148&quot; value=&quot;5&quot;/&gt;&lt;property id=&quot;20300&quot; value=&quot;Slide 32 - &amp;quot;What is BDI[2]?&amp;quot;&quot;/&gt;&lt;property id=&quot;20307&quot; value=&quot;286&quot;/&gt;&lt;/object&gt;&lt;object type=&quot;3&quot; unique_id=&quot;10036&quot;&gt;&lt;property id=&quot;20148&quot; value=&quot;5&quot;/&gt;&lt;property id=&quot;20300&quot; value=&quot;Slide 33 - &amp;quot;What is BDI[2]?&amp;quot;&quot;/&gt;&lt;property id=&quot;20307&quot; value=&quot;287&quot;/&gt;&lt;/object&gt;&lt;object type=&quot;3&quot; unique_id=&quot;10037&quot;&gt;&lt;property id=&quot;20148&quot; value=&quot;5&quot;/&gt;&lt;property id=&quot;20300&quot; value=&quot;Slide 34 - &amp;quot;Why BDI?&amp;quot;&quot;/&gt;&lt;property id=&quot;20307&quot; value=&quot;288&quot;/&gt;&lt;/object&gt;&lt;object type=&quot;3&quot; unique_id=&quot;10038&quot;&gt;&lt;property id=&quot;20148&quot; value=&quot;5&quot;/&gt;&lt;property id=&quot;20300&quot; value=&quot;Slide 35 - &amp;quot;AgentSpeak(L)&amp;quot;&quot;/&gt;&lt;property id=&quot;20307&quot; value=&quot;289&quot;/&gt;&lt;/object&gt;&lt;object type=&quot;3&quot; unique_id=&quot;10039&quot;&gt;&lt;property id=&quot;20148&quot; value=&quot;5&quot;/&gt;&lt;property id=&quot;20300&quot; value=&quot;Slide 36&quot;/&gt;&lt;property id=&quot;20307&quot; value=&quot;290&quot;/&gt;&lt;/object&gt;&lt;object type=&quot;3&quot; unique_id=&quot;10040&quot;&gt;&lt;property id=&quot;20148&quot; value=&quot;5&quot;/&gt;&lt;property id=&quot;20300&quot; value=&quot;Slide 37 - &amp;quot;About Jason[2]&amp;quot;&quot;/&gt;&lt;property id=&quot;20307&quot; value=&quot;291&quot;/&gt;&lt;/object&gt;&lt;object type=&quot;3&quot; unique_id=&quot;10041&quot;&gt;&lt;property id=&quot;20148&quot; value=&quot;5&quot;/&gt;&lt;property id=&quot;20300&quot; value=&quot;Slide 38 - &amp;quot;Safe Home Example&amp;quot;&quot;/&gt;&lt;property id=&quot;20307&quot; value=&quot;292&quot;/&gt;&lt;/object&gt;&lt;object type=&quot;3&quot; unique_id=&quot;10042&quot;&gt;&lt;property id=&quot;20148&quot; value=&quot;5&quot;/&gt;&lt;property id=&quot;20300&quot; value=&quot;Slide 39 - &amp;quot;Safe Home Example&amp;quot;&quot;/&gt;&lt;property id=&quot;20307&quot; value=&quot;293&quot;/&gt;&lt;/object&gt;&lt;object type=&quot;3&quot; unique_id=&quot;10043&quot;&gt;&lt;property id=&quot;20148&quot; value=&quot;5&quot;/&gt;&lt;property id=&quot;20300&quot; value=&quot;Slide 40&quot;/&gt;&lt;property id=&quot;20307&quot; value=&quot;294&quot;/&gt;&lt;/object&gt;&lt;object type=&quot;3&quot; unique_id=&quot;10044&quot;&gt;&lt;property id=&quot;20148&quot; value=&quot;5&quot;/&gt;&lt;property id=&quot;20300&quot; value=&quot;Slide 41 - &amp;quot;What Rhapsody can do?*&amp;quot;&quot;/&gt;&lt;property id=&quot;20307&quot; value=&quot;295&quot;/&gt;&lt;/object&gt;&lt;object type=&quot;3&quot; unique_id=&quot;10045&quot;&gt;&lt;property id=&quot;20148&quot; value=&quot;5&quot;/&gt;&lt;property id=&quot;20300&quot; value=&quot;Slide 42 - &amp;quot;Model Driven Development&amp;quot;&quot;/&gt;&lt;property id=&quot;20307&quot; value=&quot;297&quot;/&gt;&lt;/object&gt;&lt;object type=&quot;3&quot; unique_id=&quot;10046&quot;&gt;&lt;property id=&quot;20148&quot; value=&quot;5&quot;/&gt;&lt;property id=&quot;20300&quot; value=&quot;Slide 43 - &amp;quot;Model Based Testing&amp;quot;&quot;/&gt;&lt;property id=&quot;20307&quot; value=&quot;308&quot;/&gt;&lt;/object&gt;&lt;object type=&quot;3&quot; unique_id=&quot;10047&quot;&gt;&lt;property id=&quot;20148&quot; value=&quot;5&quot;/&gt;&lt;property id=&quot;20300&quot; value=&quot;Slide 44 - &amp;quot;Use Animation to Validate the Model&amp;quot;&quot;/&gt;&lt;property id=&quot;20307&quot; value=&quot;298&quot;/&gt;&lt;/object&gt;&lt;object type=&quot;3&quot; unique_id=&quot;10048&quot;&gt;&lt;property id=&quot;20148&quot; value=&quot;5&quot;/&gt;&lt;property id=&quot;20300&quot; value=&quot;Slide 45 - &amp;quot;UML by Example: Home Alarm System&amp;quot;&quot;/&gt;&lt;property id=&quot;20307&quot; value=&quot;299&quot;/&gt;&lt;/object&gt;&lt;object type=&quot;3&quot; unique_id=&quot;10049&quot;&gt;&lt;property id=&quot;20148&quot; value=&quot;5&quot;/&gt;&lt;property id=&quot;20300&quot; value=&quot;Slide 46 - &amp;quot;Outlining the requirements: HomeAlarm Use Cases&amp;quot;&quot;/&gt;&lt;property id=&quot;20307&quot; value=&quot;305&quot;/&gt;&lt;/object&gt;&lt;object type=&quot;3&quot; unique_id=&quot;10050&quot;&gt;&lt;property id=&quot;20148&quot; value=&quot;5&quot;/&gt;&lt;property id=&quot;20300&quot; value=&quot;Slide 47 - &amp;quot;Detailed scenario: Arming the alarm&amp;quot;&quot;/&gt;&lt;property id=&quot;20307&quot; value=&quot;306&quot;/&gt;&lt;/object&gt;&lt;object type=&quot;3&quot; unique_id=&quot;10051&quot;&gt;&lt;property id=&quot;20148&quot; value=&quot;5&quot;/&gt;&lt;property id=&quot;20300&quot; value=&quot;Slide 48 - &amp;quot;Behavior: The AlarmController&amp;quot;&quot;/&gt;&lt;property id=&quot;20307&quot; value=&quot;307&quot;/&gt;&lt;/object&gt;&lt;object type=&quot;3&quot; unique_id=&quot;10052&quot;&gt;&lt;property id=&quot;20148&quot; value=&quot;5&quot;/&gt;&lt;property id=&quot;20300&quot; value=&quot;Slide 49 - &amp;quot;Resource&amp;quot;&quot;/&gt;&lt;property id=&quot;20307&quot; value=&quot;302&quot;/&gt;&lt;/object&gt;&lt;object type=&quot;3&quot; unique_id=&quot;10053&quot;&gt;&lt;property id=&quot;20148&quot; value=&quot;5&quot;/&gt;&lt;property id=&quot;20300&quot; value=&quot;Slide 50 - &amp;quot;References&amp;quot;&quot;/&gt;&lt;property id=&quot;20307&quot; value=&quot;303&quot;/&gt;&lt;/object&gt;&lt;/object&gt;&lt;/object&gt;&lt;/database&gt;"/>
+  <p:tag name="SECTOMILLISECCONVERTED" val="1"/>
+</p:tagLst>
 </file>
 
 <file path=ppt/theme/theme1.xml><?xml version="1.0" encoding="utf-8"?>
